--- a/Avance_presentacion_final.pptx
+++ b/Avance_presentacion_final.pptx
@@ -12,8 +12,19 @@
     <p:sldId id="258" r:id="rId6"/>
     <p:sldId id="262" r:id="rId7"/>
     <p:sldId id="263" r:id="rId8"/>
-    <p:sldId id="264" r:id="rId9"/>
-    <p:sldId id="261" r:id="rId10"/>
+    <p:sldId id="265" r:id="rId9"/>
+    <p:sldId id="264" r:id="rId10"/>
+    <p:sldId id="266" r:id="rId11"/>
+    <p:sldId id="267" r:id="rId12"/>
+    <p:sldId id="261" r:id="rId13"/>
+    <p:sldId id="268" r:id="rId14"/>
+    <p:sldId id="270" r:id="rId15"/>
+    <p:sldId id="269" r:id="rId16"/>
+    <p:sldId id="271" r:id="rId17"/>
+    <p:sldId id="272" r:id="rId18"/>
+    <p:sldId id="273" r:id="rId19"/>
+    <p:sldId id="274" r:id="rId20"/>
+    <p:sldId id="275" r:id="rId21"/>
   </p:sldIdLst>
   <p:sldSz cx="12192000" cy="6858000"/>
   <p:notesSz cx="6858000" cy="9144000"/>
@@ -112,6 +123,11 @@
       </a:defRPr>
     </a:lvl9pPr>
   </p:defaultTextStyle>
+  <p:extLst>
+    <p:ext uri="{EFAFB233-063F-42B5-8137-9DF3F51BA10A}">
+      <p15:sldGuideLst xmlns:p15="http://schemas.microsoft.com/office/powerpoint/2012/main"/>
+    </p:ext>
+  </p:extLst>
 </p:presentation>
 </file>
 
@@ -5200,6 +5216,2557 @@
 </p:sld>
 </file>
 
+<file path=ppt/slides/slide10.xml><?xml version="1.0" encoding="utf-8"?>
+<p:sld xmlns:a="http://schemas.openxmlformats.org/drawingml/2006/main" xmlns:r="http://schemas.openxmlformats.org/officeDocument/2006/relationships" xmlns:p="http://schemas.openxmlformats.org/presentationml/2006/main">
+  <p:cSld>
+    <p:spTree>
+      <p:nvGrpSpPr>
+        <p:cNvPr id="1" name=""/>
+        <p:cNvGrpSpPr/>
+        <p:nvPr/>
+      </p:nvGrpSpPr>
+      <p:grpSpPr>
+        <a:xfrm>
+          <a:off x="0" y="0"/>
+          <a:ext cx="0" cy="0"/>
+          <a:chOff x="0" y="0"/>
+          <a:chExt cx="0" cy="0"/>
+        </a:xfrm>
+      </p:grpSpPr>
+      <p:pic>
+        <p:nvPicPr>
+          <p:cNvPr id="3" name="Imagen 2" descr="Gráfico, Gráfico de dispersión&#10;&#10;Descripción generada automáticamente">
+            <a:extLst>
+              <a:ext uri="{FF2B5EF4-FFF2-40B4-BE49-F238E27FC236}">
+                <a16:creationId xmlns:a16="http://schemas.microsoft.com/office/drawing/2014/main" id="{86FD39F0-D4A0-4671-B94C-BB45A25F9F5B}"/>
+              </a:ext>
+            </a:extLst>
+          </p:cNvPr>
+          <p:cNvPicPr>
+            <a:picLocks noChangeAspect="1"/>
+          </p:cNvPicPr>
+          <p:nvPr/>
+        </p:nvPicPr>
+        <p:blipFill>
+          <a:blip r:embed="rId2">
+            <a:extLst>
+              <a:ext uri="{28A0092B-C50C-407E-A947-70E740481C1C}">
+                <a14:useLocalDpi xmlns:a14="http://schemas.microsoft.com/office/drawing/2010/main" val="0"/>
+              </a:ext>
+            </a:extLst>
+          </a:blip>
+          <a:stretch>
+            <a:fillRect/>
+          </a:stretch>
+        </p:blipFill>
+        <p:spPr>
+          <a:xfrm>
+            <a:off x="2629171" y="922867"/>
+            <a:ext cx="6933657" cy="5546925"/>
+          </a:xfrm>
+          <a:prstGeom prst="rect">
+            <a:avLst/>
+          </a:prstGeom>
+        </p:spPr>
+      </p:pic>
+      <p:sp>
+        <p:nvSpPr>
+          <p:cNvPr id="4" name="Título 1">
+            <a:extLst>
+              <a:ext uri="{FF2B5EF4-FFF2-40B4-BE49-F238E27FC236}">
+                <a16:creationId xmlns:a16="http://schemas.microsoft.com/office/drawing/2014/main" id="{79059FC5-02F9-45F9-8AA1-D01D07C8E51E}"/>
+              </a:ext>
+            </a:extLst>
+          </p:cNvPr>
+          <p:cNvSpPr txBox="1">
+            <a:spLocks/>
+          </p:cNvSpPr>
+          <p:nvPr/>
+        </p:nvSpPr>
+        <p:spPr>
+          <a:xfrm>
+            <a:off x="0" y="0"/>
+            <a:ext cx="12192000" cy="922867"/>
+          </a:xfrm>
+          <a:prstGeom prst="rect">
+            <a:avLst/>
+          </a:prstGeom>
+        </p:spPr>
+        <p:txBody>
+          <a:bodyPr/>
+          <a:lstStyle>
+            <a:lvl1pPr algn="l" defTabSz="914400" rtl="0" eaLnBrk="1" latinLnBrk="0" hangingPunct="1">
+              <a:lnSpc>
+                <a:spcPct val="100000"/>
+              </a:lnSpc>
+              <a:spcBef>
+                <a:spcPct val="0"/>
+              </a:spcBef>
+              <a:buNone/>
+              <a:defRPr sz="4400" kern="1200">
+                <a:solidFill>
+                  <a:schemeClr val="tx1"/>
+                </a:solidFill>
+                <a:latin typeface="+mj-lt"/>
+                <a:ea typeface="+mj-ea"/>
+                <a:cs typeface="+mj-cs"/>
+              </a:defRPr>
+            </a:lvl1pPr>
+          </a:lstStyle>
+          <a:p>
+            <a:r>
+              <a:rPr lang="es-CL" dirty="0"/>
+              <a:t>	Micas en Chile</a:t>
+            </a:r>
+          </a:p>
+        </p:txBody>
+      </p:sp>
+    </p:spTree>
+    <p:extLst>
+      <p:ext uri="{BB962C8B-B14F-4D97-AF65-F5344CB8AC3E}">
+        <p14:creationId xmlns:p14="http://schemas.microsoft.com/office/powerpoint/2010/main" val="3871048031"/>
+      </p:ext>
+    </p:extLst>
+  </p:cSld>
+  <p:clrMapOvr>
+    <a:masterClrMapping/>
+  </p:clrMapOvr>
+</p:sld>
+</file>
+
+<file path=ppt/slides/slide11.xml><?xml version="1.0" encoding="utf-8"?>
+<p:sld xmlns:a="http://schemas.openxmlformats.org/drawingml/2006/main" xmlns:r="http://schemas.openxmlformats.org/officeDocument/2006/relationships" xmlns:p="http://schemas.openxmlformats.org/presentationml/2006/main">
+  <p:cSld>
+    <p:spTree>
+      <p:nvGrpSpPr>
+        <p:cNvPr id="1" name=""/>
+        <p:cNvGrpSpPr/>
+        <p:nvPr/>
+      </p:nvGrpSpPr>
+      <p:grpSpPr>
+        <a:xfrm>
+          <a:off x="0" y="0"/>
+          <a:ext cx="0" cy="0"/>
+          <a:chOff x="0" y="0"/>
+          <a:chExt cx="0" cy="0"/>
+        </a:xfrm>
+      </p:grpSpPr>
+      <p:sp>
+        <p:nvSpPr>
+          <p:cNvPr id="4" name="Título 1">
+            <a:extLst>
+              <a:ext uri="{FF2B5EF4-FFF2-40B4-BE49-F238E27FC236}">
+                <a16:creationId xmlns:a16="http://schemas.microsoft.com/office/drawing/2014/main" id="{3B91DE8D-B9D0-42AA-A537-955612B6F61F}"/>
+              </a:ext>
+            </a:extLst>
+          </p:cNvPr>
+          <p:cNvSpPr txBox="1">
+            <a:spLocks/>
+          </p:cNvSpPr>
+          <p:nvPr/>
+        </p:nvSpPr>
+        <p:spPr>
+          <a:xfrm>
+            <a:off x="0" y="0"/>
+            <a:ext cx="12192000" cy="922867"/>
+          </a:xfrm>
+          <a:prstGeom prst="rect">
+            <a:avLst/>
+          </a:prstGeom>
+        </p:spPr>
+        <p:txBody>
+          <a:bodyPr/>
+          <a:lstStyle>
+            <a:lvl1pPr algn="l" defTabSz="914400" rtl="0" eaLnBrk="1" latinLnBrk="0" hangingPunct="1">
+              <a:lnSpc>
+                <a:spcPct val="100000"/>
+              </a:lnSpc>
+              <a:spcBef>
+                <a:spcPct val="0"/>
+              </a:spcBef>
+              <a:buNone/>
+              <a:defRPr sz="4400" kern="1200">
+                <a:solidFill>
+                  <a:schemeClr val="tx1"/>
+                </a:solidFill>
+                <a:latin typeface="+mj-lt"/>
+                <a:ea typeface="+mj-ea"/>
+                <a:cs typeface="+mj-cs"/>
+              </a:defRPr>
+            </a:lvl1pPr>
+          </a:lstStyle>
+          <a:p>
+            <a:r>
+              <a:rPr lang="es-CL" dirty="0"/>
+              <a:t>	Andesitas</a:t>
+            </a:r>
+          </a:p>
+        </p:txBody>
+      </p:sp>
+      <p:sp>
+        <p:nvSpPr>
+          <p:cNvPr id="2" name="CuadroTexto 1">
+            <a:extLst>
+              <a:ext uri="{FF2B5EF4-FFF2-40B4-BE49-F238E27FC236}">
+                <a16:creationId xmlns:a16="http://schemas.microsoft.com/office/drawing/2014/main" id="{07D19D71-314E-4272-AC12-8D7F4E13B824}"/>
+              </a:ext>
+            </a:extLst>
+          </p:cNvPr>
+          <p:cNvSpPr txBox="1"/>
+          <p:nvPr/>
+        </p:nvSpPr>
+        <p:spPr>
+          <a:xfrm>
+            <a:off x="1000945" y="1576252"/>
+            <a:ext cx="3387635" cy="3139321"/>
+          </a:xfrm>
+          <a:prstGeom prst="rect">
+            <a:avLst/>
+          </a:prstGeom>
+          <a:noFill/>
+        </p:spPr>
+        <p:txBody>
+          <a:bodyPr wrap="square" rtlCol="0">
+            <a:spAutoFit/>
+          </a:bodyPr>
+          <a:lstStyle/>
+          <a:p>
+            <a:pPr algn="just"/>
+            <a:r>
+              <a:rPr lang="es-CL" dirty="0"/>
+              <a:t>En general las andesitas son rocas ígneas abundantes sobre la corteza continental, por lo que el estudio de componentes principales es importante. Pero, debido a que la base de datos de las Andesitas se encuentra divida en varias partes en GEOROC, primero se deben unificar las bases de datos</a:t>
+            </a:r>
+          </a:p>
+          <a:p>
+            <a:pPr algn="just"/>
+            <a:endParaRPr lang="es-CL" dirty="0"/>
+          </a:p>
+        </p:txBody>
+      </p:sp>
+      <p:pic>
+        <p:nvPicPr>
+          <p:cNvPr id="6" name="Imagen 5">
+            <a:extLst>
+              <a:ext uri="{FF2B5EF4-FFF2-40B4-BE49-F238E27FC236}">
+                <a16:creationId xmlns:a16="http://schemas.microsoft.com/office/drawing/2014/main" id="{647AFDC4-B094-4880-9933-08822FBABA18}"/>
+              </a:ext>
+            </a:extLst>
+          </p:cNvPr>
+          <p:cNvPicPr>
+            <a:picLocks noChangeAspect="1"/>
+          </p:cNvPicPr>
+          <p:nvPr/>
+        </p:nvPicPr>
+        <p:blipFill>
+          <a:blip r:embed="rId2"/>
+          <a:stretch>
+            <a:fillRect/>
+          </a:stretch>
+        </p:blipFill>
+        <p:spPr>
+          <a:xfrm>
+            <a:off x="2498819" y="4904379"/>
+            <a:ext cx="3917231" cy="1263934"/>
+          </a:xfrm>
+          <a:prstGeom prst="rect">
+            <a:avLst/>
+          </a:prstGeom>
+        </p:spPr>
+      </p:pic>
+      <p:pic>
+        <p:nvPicPr>
+          <p:cNvPr id="12" name="Imagen 11">
+            <a:extLst>
+              <a:ext uri="{FF2B5EF4-FFF2-40B4-BE49-F238E27FC236}">
+                <a16:creationId xmlns:a16="http://schemas.microsoft.com/office/drawing/2014/main" id="{6C7807C7-6743-474C-A33D-C3F80A4BC750}"/>
+              </a:ext>
+            </a:extLst>
+          </p:cNvPr>
+          <p:cNvPicPr>
+            <a:picLocks noChangeAspect="1"/>
+          </p:cNvPicPr>
+          <p:nvPr/>
+        </p:nvPicPr>
+        <p:blipFill>
+          <a:blip r:embed="rId3"/>
+          <a:stretch>
+            <a:fillRect/>
+          </a:stretch>
+        </p:blipFill>
+        <p:spPr>
+          <a:xfrm>
+            <a:off x="5293919" y="1576252"/>
+            <a:ext cx="2429214" cy="2000529"/>
+          </a:xfrm>
+          <a:prstGeom prst="rect">
+            <a:avLst/>
+          </a:prstGeom>
+        </p:spPr>
+      </p:pic>
+      <p:pic>
+        <p:nvPicPr>
+          <p:cNvPr id="14" name="Imagen 13">
+            <a:extLst>
+              <a:ext uri="{FF2B5EF4-FFF2-40B4-BE49-F238E27FC236}">
+                <a16:creationId xmlns:a16="http://schemas.microsoft.com/office/drawing/2014/main" id="{333E6CEB-4AE8-4D3F-A3AB-29DD85DBC582}"/>
+              </a:ext>
+            </a:extLst>
+          </p:cNvPr>
+          <p:cNvPicPr>
+            <a:picLocks noChangeAspect="1"/>
+          </p:cNvPicPr>
+          <p:nvPr/>
+        </p:nvPicPr>
+        <p:blipFill>
+          <a:blip r:embed="rId4"/>
+          <a:stretch>
+            <a:fillRect/>
+          </a:stretch>
+        </p:blipFill>
+        <p:spPr>
+          <a:xfrm>
+            <a:off x="8628472" y="2109726"/>
+            <a:ext cx="2562583" cy="933580"/>
+          </a:xfrm>
+          <a:prstGeom prst="rect">
+            <a:avLst/>
+          </a:prstGeom>
+        </p:spPr>
+      </p:pic>
+      <p:sp>
+        <p:nvSpPr>
+          <p:cNvPr id="15" name="CuadroTexto 14">
+            <a:extLst>
+              <a:ext uri="{FF2B5EF4-FFF2-40B4-BE49-F238E27FC236}">
+                <a16:creationId xmlns:a16="http://schemas.microsoft.com/office/drawing/2014/main" id="{C5173409-BE38-445B-B77C-71AD091180C6}"/>
+              </a:ext>
+            </a:extLst>
+          </p:cNvPr>
+          <p:cNvSpPr txBox="1"/>
+          <p:nvPr/>
+        </p:nvSpPr>
+        <p:spPr>
+          <a:xfrm>
+            <a:off x="7141028" y="4904379"/>
+            <a:ext cx="2272937" cy="1200329"/>
+          </a:xfrm>
+          <a:prstGeom prst="rect">
+            <a:avLst/>
+          </a:prstGeom>
+          <a:noFill/>
+        </p:spPr>
+        <p:txBody>
+          <a:bodyPr wrap="square" rtlCol="0">
+            <a:spAutoFit/>
+          </a:bodyPr>
+          <a:lstStyle/>
+          <a:p>
+            <a:r>
+              <a:rPr lang="es-CL" dirty="0"/>
+              <a:t>Luego, el procedimiento de análisis es similar al de las micas</a:t>
+            </a:r>
+          </a:p>
+        </p:txBody>
+      </p:sp>
+      <p:sp>
+        <p:nvSpPr>
+          <p:cNvPr id="16" name="Rectángulo 15">
+            <a:extLst>
+              <a:ext uri="{FF2B5EF4-FFF2-40B4-BE49-F238E27FC236}">
+                <a16:creationId xmlns:a16="http://schemas.microsoft.com/office/drawing/2014/main" id="{8369C107-9957-4935-8B13-7AFD2D00F13A}"/>
+              </a:ext>
+            </a:extLst>
+          </p:cNvPr>
+          <p:cNvSpPr/>
+          <p:nvPr/>
+        </p:nvSpPr>
+        <p:spPr>
+          <a:xfrm>
+            <a:off x="5399314" y="2177143"/>
+            <a:ext cx="1558835" cy="1149531"/>
+          </a:xfrm>
+          <a:prstGeom prst="rect">
+            <a:avLst/>
+          </a:prstGeom>
+          <a:noFill/>
+          <a:ln w="19050">
+            <a:solidFill>
+              <a:srgbClr val="FF0000"/>
+            </a:solidFill>
+          </a:ln>
+        </p:spPr>
+        <p:style>
+          <a:lnRef idx="2">
+            <a:schemeClr val="accent1">
+              <a:shade val="50000"/>
+            </a:schemeClr>
+          </a:lnRef>
+          <a:fillRef idx="1">
+            <a:schemeClr val="accent1"/>
+          </a:fillRef>
+          <a:effectRef idx="0">
+            <a:schemeClr val="accent1"/>
+          </a:effectRef>
+          <a:fontRef idx="minor">
+            <a:schemeClr val="lt1"/>
+          </a:fontRef>
+        </p:style>
+        <p:txBody>
+          <a:bodyPr rtlCol="0" anchor="ctr"/>
+          <a:lstStyle/>
+          <a:p>
+            <a:pPr algn="ctr"/>
+            <a:endParaRPr lang="es-CL"/>
+          </a:p>
+        </p:txBody>
+      </p:sp>
+      <p:cxnSp>
+        <p:nvCxnSpPr>
+          <p:cNvPr id="18" name="Conector recto de flecha 17">
+            <a:extLst>
+              <a:ext uri="{FF2B5EF4-FFF2-40B4-BE49-F238E27FC236}">
+                <a16:creationId xmlns:a16="http://schemas.microsoft.com/office/drawing/2014/main" id="{1E82B4BA-1BF9-4386-8107-555E791157F0}"/>
+              </a:ext>
+            </a:extLst>
+          </p:cNvPr>
+          <p:cNvCxnSpPr>
+            <a:cxnSpLocks/>
+          </p:cNvCxnSpPr>
+          <p:nvPr/>
+        </p:nvCxnSpPr>
+        <p:spPr>
+          <a:xfrm>
+            <a:off x="6958149" y="2306551"/>
+            <a:ext cx="1670323" cy="0"/>
+          </a:xfrm>
+          <a:prstGeom prst="straightConnector1">
+            <a:avLst/>
+          </a:prstGeom>
+          <a:ln w="12700">
+            <a:solidFill>
+              <a:srgbClr val="FF0000"/>
+            </a:solidFill>
+            <a:tailEnd type="triangle"/>
+          </a:ln>
+        </p:spPr>
+        <p:style>
+          <a:lnRef idx="1">
+            <a:schemeClr val="accent1"/>
+          </a:lnRef>
+          <a:fillRef idx="0">
+            <a:schemeClr val="accent1"/>
+          </a:fillRef>
+          <a:effectRef idx="0">
+            <a:schemeClr val="accent1"/>
+          </a:effectRef>
+          <a:fontRef idx="minor">
+            <a:schemeClr val="tx1"/>
+          </a:fontRef>
+        </p:style>
+      </p:cxnSp>
+      <p:sp>
+        <p:nvSpPr>
+          <p:cNvPr id="20" name="Rectángulo 19">
+            <a:extLst>
+              <a:ext uri="{FF2B5EF4-FFF2-40B4-BE49-F238E27FC236}">
+                <a16:creationId xmlns:a16="http://schemas.microsoft.com/office/drawing/2014/main" id="{D38236FF-0B53-492C-BE03-A04FFE703BD6}"/>
+              </a:ext>
+            </a:extLst>
+          </p:cNvPr>
+          <p:cNvSpPr/>
+          <p:nvPr/>
+        </p:nvSpPr>
+        <p:spPr>
+          <a:xfrm>
+            <a:off x="8663306" y="2209175"/>
+            <a:ext cx="1558835" cy="168266"/>
+          </a:xfrm>
+          <a:prstGeom prst="rect">
+            <a:avLst/>
+          </a:prstGeom>
+          <a:noFill/>
+          <a:ln w="19050">
+            <a:solidFill>
+              <a:srgbClr val="FF0000"/>
+            </a:solidFill>
+          </a:ln>
+        </p:spPr>
+        <p:style>
+          <a:lnRef idx="2">
+            <a:schemeClr val="accent1">
+              <a:shade val="50000"/>
+            </a:schemeClr>
+          </a:lnRef>
+          <a:fillRef idx="1">
+            <a:schemeClr val="accent1"/>
+          </a:fillRef>
+          <a:effectRef idx="0">
+            <a:schemeClr val="accent1"/>
+          </a:effectRef>
+          <a:fontRef idx="minor">
+            <a:schemeClr val="lt1"/>
+          </a:fontRef>
+        </p:style>
+        <p:txBody>
+          <a:bodyPr rtlCol="0" anchor="ctr"/>
+          <a:lstStyle/>
+          <a:p>
+            <a:pPr algn="ctr"/>
+            <a:endParaRPr lang="es-CL"/>
+          </a:p>
+        </p:txBody>
+      </p:sp>
+    </p:spTree>
+    <p:extLst>
+      <p:ext uri="{BB962C8B-B14F-4D97-AF65-F5344CB8AC3E}">
+        <p14:creationId xmlns:p14="http://schemas.microsoft.com/office/powerpoint/2010/main" val="175210063"/>
+      </p:ext>
+    </p:extLst>
+  </p:cSld>
+  <p:clrMapOvr>
+    <a:masterClrMapping/>
+  </p:clrMapOvr>
+</p:sld>
+</file>
+
+<file path=ppt/slides/slide12.xml><?xml version="1.0" encoding="utf-8"?>
+<p:sld xmlns:a="http://schemas.openxmlformats.org/drawingml/2006/main" xmlns:r="http://schemas.openxmlformats.org/officeDocument/2006/relationships" xmlns:p="http://schemas.openxmlformats.org/presentationml/2006/main">
+  <p:cSld>
+    <p:spTree>
+      <p:nvGrpSpPr>
+        <p:cNvPr id="1" name=""/>
+        <p:cNvGrpSpPr/>
+        <p:nvPr/>
+      </p:nvGrpSpPr>
+      <p:grpSpPr>
+        <a:xfrm>
+          <a:off x="0" y="0"/>
+          <a:ext cx="0" cy="0"/>
+          <a:chOff x="0" y="0"/>
+          <a:chExt cx="0" cy="0"/>
+        </a:xfrm>
+      </p:grpSpPr>
+      <p:sp>
+        <p:nvSpPr>
+          <p:cNvPr id="2" name="Título 1">
+            <a:extLst>
+              <a:ext uri="{FF2B5EF4-FFF2-40B4-BE49-F238E27FC236}">
+                <a16:creationId xmlns:a16="http://schemas.microsoft.com/office/drawing/2014/main" id="{74BE3FDF-19AD-45E9-91B4-7CAF751728B3}"/>
+              </a:ext>
+            </a:extLst>
+          </p:cNvPr>
+          <p:cNvSpPr txBox="1">
+            <a:spLocks/>
+          </p:cNvSpPr>
+          <p:nvPr/>
+        </p:nvSpPr>
+        <p:spPr>
+          <a:xfrm>
+            <a:off x="0" y="0"/>
+            <a:ext cx="12192000" cy="922867"/>
+          </a:xfrm>
+          <a:prstGeom prst="rect">
+            <a:avLst/>
+          </a:prstGeom>
+        </p:spPr>
+        <p:txBody>
+          <a:bodyPr/>
+          <a:lstStyle>
+            <a:lvl1pPr algn="l" defTabSz="914400" rtl="0" eaLnBrk="1" latinLnBrk="0" hangingPunct="1">
+              <a:lnSpc>
+                <a:spcPct val="100000"/>
+              </a:lnSpc>
+              <a:spcBef>
+                <a:spcPct val="0"/>
+              </a:spcBef>
+              <a:buNone/>
+              <a:defRPr sz="4400" kern="1200">
+                <a:solidFill>
+                  <a:schemeClr val="tx1"/>
+                </a:solidFill>
+                <a:latin typeface="+mj-lt"/>
+                <a:ea typeface="+mj-ea"/>
+                <a:cs typeface="+mj-cs"/>
+              </a:defRPr>
+            </a:lvl1pPr>
+          </a:lstStyle>
+          <a:p>
+            <a:r>
+              <a:rPr lang="es-CL" dirty="0"/>
+              <a:t>	Andesitas</a:t>
+            </a:r>
+          </a:p>
+        </p:txBody>
+      </p:sp>
+      <p:sp>
+        <p:nvSpPr>
+          <p:cNvPr id="3" name="CuadroTexto 2">
+            <a:extLst>
+              <a:ext uri="{FF2B5EF4-FFF2-40B4-BE49-F238E27FC236}">
+                <a16:creationId xmlns:a16="http://schemas.microsoft.com/office/drawing/2014/main" id="{629C3B09-F708-421D-9C5E-11FCE334497C}"/>
+              </a:ext>
+            </a:extLst>
+          </p:cNvPr>
+          <p:cNvSpPr txBox="1"/>
+          <p:nvPr/>
+        </p:nvSpPr>
+        <p:spPr>
+          <a:xfrm>
+            <a:off x="5199018" y="79832"/>
+            <a:ext cx="2412274" cy="1200329"/>
+          </a:xfrm>
+          <a:prstGeom prst="rect">
+            <a:avLst/>
+          </a:prstGeom>
+          <a:noFill/>
+        </p:spPr>
+        <p:txBody>
+          <a:bodyPr wrap="square" rtlCol="0">
+            <a:spAutoFit/>
+          </a:bodyPr>
+          <a:lstStyle/>
+          <a:p>
+            <a:pPr algn="just"/>
+            <a:r>
+              <a:rPr lang="es-CL" dirty="0"/>
+              <a:t>Haciendo un análisis, para las andesitas de GEOROC, se obtiene lo siguiente:</a:t>
+            </a:r>
+          </a:p>
+        </p:txBody>
+      </p:sp>
+      <p:pic>
+        <p:nvPicPr>
+          <p:cNvPr id="5" name="Imagen 4" descr="Gráfico, Gráfico de dispersión&#10;&#10;Descripción generada automáticamente">
+            <a:extLst>
+              <a:ext uri="{FF2B5EF4-FFF2-40B4-BE49-F238E27FC236}">
+                <a16:creationId xmlns:a16="http://schemas.microsoft.com/office/drawing/2014/main" id="{9FC7D209-B7C1-4E62-BA35-50C0EF78A391}"/>
+              </a:ext>
+            </a:extLst>
+          </p:cNvPr>
+          <p:cNvPicPr>
+            <a:picLocks noChangeAspect="1"/>
+          </p:cNvPicPr>
+          <p:nvPr/>
+        </p:nvPicPr>
+        <p:blipFill>
+          <a:blip r:embed="rId2">
+            <a:extLst>
+              <a:ext uri="{28A0092B-C50C-407E-A947-70E740481C1C}">
+                <a14:useLocalDpi xmlns:a14="http://schemas.microsoft.com/office/drawing/2010/main" val="0"/>
+              </a:ext>
+            </a:extLst>
+          </a:blip>
+          <a:stretch>
+            <a:fillRect/>
+          </a:stretch>
+        </p:blipFill>
+        <p:spPr>
+          <a:xfrm>
+            <a:off x="0" y="1612540"/>
+            <a:ext cx="6556826" cy="5245460"/>
+          </a:xfrm>
+          <a:prstGeom prst="rect">
+            <a:avLst/>
+          </a:prstGeom>
+        </p:spPr>
+      </p:pic>
+      <p:pic>
+        <p:nvPicPr>
+          <p:cNvPr id="15" name="Imagen 14" descr="Gráfico, Diagrama, Dibujo de ingeniería&#10;&#10;Descripción generada automáticamente">
+            <a:extLst>
+              <a:ext uri="{FF2B5EF4-FFF2-40B4-BE49-F238E27FC236}">
+                <a16:creationId xmlns:a16="http://schemas.microsoft.com/office/drawing/2014/main" id="{8A926B6A-161E-4710-A117-3576203AACDC}"/>
+              </a:ext>
+            </a:extLst>
+          </p:cNvPr>
+          <p:cNvPicPr>
+            <a:picLocks noChangeAspect="1"/>
+          </p:cNvPicPr>
+          <p:nvPr/>
+        </p:nvPicPr>
+        <p:blipFill>
+          <a:blip r:embed="rId3">
+            <a:extLst>
+              <a:ext uri="{28A0092B-C50C-407E-A947-70E740481C1C}">
+                <a14:useLocalDpi xmlns:a14="http://schemas.microsoft.com/office/drawing/2010/main" val="0"/>
+              </a:ext>
+            </a:extLst>
+          </a:blip>
+          <a:stretch>
+            <a:fillRect/>
+          </a:stretch>
+        </p:blipFill>
+        <p:spPr>
+          <a:xfrm>
+            <a:off x="6096000" y="1612800"/>
+            <a:ext cx="6556501" cy="5245200"/>
+          </a:xfrm>
+          <a:prstGeom prst="rect">
+            <a:avLst/>
+          </a:prstGeom>
+        </p:spPr>
+      </p:pic>
+    </p:spTree>
+    <p:extLst>
+      <p:ext uri="{BB962C8B-B14F-4D97-AF65-F5344CB8AC3E}">
+        <p14:creationId xmlns:p14="http://schemas.microsoft.com/office/powerpoint/2010/main" val="207540131"/>
+      </p:ext>
+    </p:extLst>
+  </p:cSld>
+  <p:clrMapOvr>
+    <a:masterClrMapping/>
+  </p:clrMapOvr>
+</p:sld>
+</file>
+
+<file path=ppt/slides/slide13.xml><?xml version="1.0" encoding="utf-8"?>
+<p:sld xmlns:a="http://schemas.openxmlformats.org/drawingml/2006/main" xmlns:r="http://schemas.openxmlformats.org/officeDocument/2006/relationships" xmlns:p="http://schemas.openxmlformats.org/presentationml/2006/main">
+  <p:cSld>
+    <p:spTree>
+      <p:nvGrpSpPr>
+        <p:cNvPr id="1" name=""/>
+        <p:cNvGrpSpPr/>
+        <p:nvPr/>
+      </p:nvGrpSpPr>
+      <p:grpSpPr>
+        <a:xfrm>
+          <a:off x="0" y="0"/>
+          <a:ext cx="0" cy="0"/>
+          <a:chOff x="0" y="0"/>
+          <a:chExt cx="0" cy="0"/>
+        </a:xfrm>
+      </p:grpSpPr>
+      <p:sp>
+        <p:nvSpPr>
+          <p:cNvPr id="2" name="Título 1">
+            <a:extLst>
+              <a:ext uri="{FF2B5EF4-FFF2-40B4-BE49-F238E27FC236}">
+                <a16:creationId xmlns:a16="http://schemas.microsoft.com/office/drawing/2014/main" id="{74BE3FDF-19AD-45E9-91B4-7CAF751728B3}"/>
+              </a:ext>
+            </a:extLst>
+          </p:cNvPr>
+          <p:cNvSpPr txBox="1">
+            <a:spLocks/>
+          </p:cNvSpPr>
+          <p:nvPr/>
+        </p:nvSpPr>
+        <p:spPr>
+          <a:xfrm>
+            <a:off x="0" y="0"/>
+            <a:ext cx="12192000" cy="922867"/>
+          </a:xfrm>
+          <a:prstGeom prst="rect">
+            <a:avLst/>
+          </a:prstGeom>
+        </p:spPr>
+        <p:txBody>
+          <a:bodyPr/>
+          <a:lstStyle>
+            <a:lvl1pPr algn="l" defTabSz="914400" rtl="0" eaLnBrk="1" latinLnBrk="0" hangingPunct="1">
+              <a:lnSpc>
+                <a:spcPct val="100000"/>
+              </a:lnSpc>
+              <a:spcBef>
+                <a:spcPct val="0"/>
+              </a:spcBef>
+              <a:buNone/>
+              <a:defRPr sz="4400" kern="1200">
+                <a:solidFill>
+                  <a:schemeClr val="tx1"/>
+                </a:solidFill>
+                <a:latin typeface="+mj-lt"/>
+                <a:ea typeface="+mj-ea"/>
+                <a:cs typeface="+mj-cs"/>
+              </a:defRPr>
+            </a:lvl1pPr>
+          </a:lstStyle>
+          <a:p>
+            <a:r>
+              <a:rPr lang="es-CL" dirty="0"/>
+              <a:t>	Andesitas</a:t>
+            </a:r>
+          </a:p>
+        </p:txBody>
+      </p:sp>
+      <p:sp>
+        <p:nvSpPr>
+          <p:cNvPr id="3" name="CuadroTexto 2">
+            <a:extLst>
+              <a:ext uri="{FF2B5EF4-FFF2-40B4-BE49-F238E27FC236}">
+                <a16:creationId xmlns:a16="http://schemas.microsoft.com/office/drawing/2014/main" id="{629C3B09-F708-421D-9C5E-11FCE334497C}"/>
+              </a:ext>
+            </a:extLst>
+          </p:cNvPr>
+          <p:cNvSpPr txBox="1"/>
+          <p:nvPr/>
+        </p:nvSpPr>
+        <p:spPr>
+          <a:xfrm>
+            <a:off x="933449" y="1659102"/>
+            <a:ext cx="2412274" cy="3139321"/>
+          </a:xfrm>
+          <a:prstGeom prst="rect">
+            <a:avLst/>
+          </a:prstGeom>
+          <a:noFill/>
+        </p:spPr>
+        <p:txBody>
+          <a:bodyPr wrap="square" rtlCol="0">
+            <a:spAutoFit/>
+          </a:bodyPr>
+          <a:lstStyle/>
+          <a:p>
+            <a:pPr algn="just"/>
+            <a:r>
+              <a:rPr lang="es-CL" dirty="0"/>
+              <a:t>Haciendo un análisis, para las andesitas de GEOROC, se obtiene lo siguiente:</a:t>
+            </a:r>
+          </a:p>
+          <a:p>
+            <a:pPr algn="just"/>
+            <a:endParaRPr lang="es-CL" dirty="0"/>
+          </a:p>
+          <a:p>
+            <a:pPr marL="285750" indent="-285750" algn="just">
+              <a:buFont typeface="Arial" panose="020B0604020202020204" pitchFamily="34" charset="0"/>
+              <a:buChar char="•"/>
+            </a:pPr>
+            <a:r>
+              <a:rPr lang="es-CL" dirty="0"/>
+              <a:t>En general, las correlaciones son </a:t>
+            </a:r>
+            <a:r>
+              <a:rPr lang="es-CL" dirty="0" err="1"/>
+              <a:t>bajs</a:t>
+            </a:r>
+            <a:r>
+              <a:rPr lang="es-CL" dirty="0"/>
+              <a:t>, por esta razón se sugiere filtrar los datos al arco Chileno - Peruano</a:t>
+            </a:r>
+          </a:p>
+        </p:txBody>
+      </p:sp>
+      <p:grpSp>
+        <p:nvGrpSpPr>
+          <p:cNvPr id="18" name="Grupo 17">
+            <a:extLst>
+              <a:ext uri="{FF2B5EF4-FFF2-40B4-BE49-F238E27FC236}">
+                <a16:creationId xmlns:a16="http://schemas.microsoft.com/office/drawing/2014/main" id="{DDC338A2-C83D-4C7F-AD10-9F43D066288B}"/>
+              </a:ext>
+            </a:extLst>
+          </p:cNvPr>
+          <p:cNvGrpSpPr/>
+          <p:nvPr/>
+        </p:nvGrpSpPr>
+        <p:grpSpPr>
+          <a:xfrm>
+            <a:off x="3619499" y="0"/>
+            <a:ext cx="8572501" cy="6858000"/>
+            <a:chOff x="3619499" y="0"/>
+            <a:chExt cx="8572501" cy="6858000"/>
+          </a:xfrm>
+        </p:grpSpPr>
+        <p:pic>
+          <p:nvPicPr>
+            <p:cNvPr id="5" name="Imagen 4" descr="Gráfico, Gráfico de dispersión&#10;&#10;Descripción generada automáticamente">
+              <a:extLst>
+                <a:ext uri="{FF2B5EF4-FFF2-40B4-BE49-F238E27FC236}">
+                  <a16:creationId xmlns:a16="http://schemas.microsoft.com/office/drawing/2014/main" id="{9FC7D209-B7C1-4E62-BA35-50C0EF78A391}"/>
+                </a:ext>
+              </a:extLst>
+            </p:cNvPr>
+            <p:cNvPicPr>
+              <a:picLocks noChangeAspect="1"/>
+            </p:cNvPicPr>
+            <p:nvPr/>
+          </p:nvPicPr>
+          <p:blipFill>
+            <a:blip r:embed="rId2">
+              <a:extLst>
+                <a:ext uri="{28A0092B-C50C-407E-A947-70E740481C1C}">
+                  <a14:useLocalDpi xmlns:a14="http://schemas.microsoft.com/office/drawing/2010/main" val="0"/>
+                </a:ext>
+              </a:extLst>
+            </a:blip>
+            <a:stretch>
+              <a:fillRect/>
+            </a:stretch>
+          </p:blipFill>
+          <p:spPr>
+            <a:xfrm>
+              <a:off x="3619499" y="0"/>
+              <a:ext cx="8572501" cy="6858000"/>
+            </a:xfrm>
+            <a:prstGeom prst="rect">
+              <a:avLst/>
+            </a:prstGeom>
+          </p:spPr>
+        </p:pic>
+        <p:cxnSp>
+          <p:nvCxnSpPr>
+            <p:cNvPr id="7" name="Conector recto 6">
+              <a:extLst>
+                <a:ext uri="{FF2B5EF4-FFF2-40B4-BE49-F238E27FC236}">
+                  <a16:creationId xmlns:a16="http://schemas.microsoft.com/office/drawing/2014/main" id="{0E6A2B1C-0899-427E-9750-2BEFC7162F27}"/>
+                </a:ext>
+              </a:extLst>
+            </p:cNvPr>
+            <p:cNvCxnSpPr/>
+            <p:nvPr/>
+          </p:nvCxnSpPr>
+          <p:spPr>
+            <a:xfrm>
+              <a:off x="9022080" y="461433"/>
+              <a:ext cx="0" cy="4615664"/>
+            </a:xfrm>
+            <a:prstGeom prst="line">
+              <a:avLst/>
+            </a:prstGeom>
+            <a:ln w="19050">
+              <a:solidFill>
+                <a:srgbClr val="FF0000"/>
+              </a:solidFill>
+            </a:ln>
+          </p:spPr>
+          <p:style>
+            <a:lnRef idx="1">
+              <a:schemeClr val="accent1"/>
+            </a:lnRef>
+            <a:fillRef idx="0">
+              <a:schemeClr val="accent1"/>
+            </a:fillRef>
+            <a:effectRef idx="0">
+              <a:schemeClr val="accent1"/>
+            </a:effectRef>
+            <a:fontRef idx="minor">
+              <a:schemeClr val="tx1"/>
+            </a:fontRef>
+          </p:style>
+        </p:cxnSp>
+        <p:cxnSp>
+          <p:nvCxnSpPr>
+            <p:cNvPr id="8" name="Conector recto 7">
+              <a:extLst>
+                <a:ext uri="{FF2B5EF4-FFF2-40B4-BE49-F238E27FC236}">
+                  <a16:creationId xmlns:a16="http://schemas.microsoft.com/office/drawing/2014/main" id="{86AC752B-8765-4F0E-A5AF-3BDEE11F2407}"/>
+                </a:ext>
+              </a:extLst>
+            </p:cNvPr>
+            <p:cNvCxnSpPr>
+              <a:cxnSpLocks/>
+            </p:cNvCxnSpPr>
+            <p:nvPr/>
+          </p:nvCxnSpPr>
+          <p:spPr>
+            <a:xfrm>
+              <a:off x="5830389" y="1893994"/>
+              <a:ext cx="3191691" cy="0"/>
+            </a:xfrm>
+            <a:prstGeom prst="line">
+              <a:avLst/>
+            </a:prstGeom>
+            <a:ln w="19050">
+              <a:solidFill>
+                <a:srgbClr val="FF0000"/>
+              </a:solidFill>
+            </a:ln>
+          </p:spPr>
+          <p:style>
+            <a:lnRef idx="1">
+              <a:schemeClr val="accent1"/>
+            </a:lnRef>
+            <a:fillRef idx="0">
+              <a:schemeClr val="accent1"/>
+            </a:fillRef>
+            <a:effectRef idx="0">
+              <a:schemeClr val="accent1"/>
+            </a:effectRef>
+            <a:fontRef idx="minor">
+              <a:schemeClr val="tx1"/>
+            </a:fontRef>
+          </p:style>
+        </p:cxnSp>
+        <p:cxnSp>
+          <p:nvCxnSpPr>
+            <p:cNvPr id="10" name="Conector recto 9">
+              <a:extLst>
+                <a:ext uri="{FF2B5EF4-FFF2-40B4-BE49-F238E27FC236}">
+                  <a16:creationId xmlns:a16="http://schemas.microsoft.com/office/drawing/2014/main" id="{A78C38C3-E261-426F-ADF5-AB58631961BC}"/>
+                </a:ext>
+              </a:extLst>
+            </p:cNvPr>
+            <p:cNvCxnSpPr>
+              <a:cxnSpLocks/>
+            </p:cNvCxnSpPr>
+            <p:nvPr/>
+          </p:nvCxnSpPr>
+          <p:spPr>
+            <a:xfrm>
+              <a:off x="6008915" y="2072519"/>
+              <a:ext cx="3013165" cy="0"/>
+            </a:xfrm>
+            <a:prstGeom prst="line">
+              <a:avLst/>
+            </a:prstGeom>
+            <a:ln w="19050">
+              <a:solidFill>
+                <a:srgbClr val="FF0000"/>
+              </a:solidFill>
+            </a:ln>
+          </p:spPr>
+          <p:style>
+            <a:lnRef idx="1">
+              <a:schemeClr val="accent1"/>
+            </a:lnRef>
+            <a:fillRef idx="0">
+              <a:schemeClr val="accent1"/>
+            </a:fillRef>
+            <a:effectRef idx="0">
+              <a:schemeClr val="accent1"/>
+            </a:effectRef>
+            <a:fontRef idx="minor">
+              <a:schemeClr val="tx1"/>
+            </a:fontRef>
+          </p:style>
+        </p:cxnSp>
+        <p:cxnSp>
+          <p:nvCxnSpPr>
+            <p:cNvPr id="12" name="Conector recto 11">
+              <a:extLst>
+                <a:ext uri="{FF2B5EF4-FFF2-40B4-BE49-F238E27FC236}">
+                  <a16:creationId xmlns:a16="http://schemas.microsoft.com/office/drawing/2014/main" id="{7D17912C-6F0E-4142-92A2-6FC52FD21B12}"/>
+                </a:ext>
+              </a:extLst>
+            </p:cNvPr>
+            <p:cNvCxnSpPr>
+              <a:cxnSpLocks/>
+            </p:cNvCxnSpPr>
+            <p:nvPr/>
+          </p:nvCxnSpPr>
+          <p:spPr>
+            <a:xfrm>
+              <a:off x="5277394" y="1327936"/>
+              <a:ext cx="3744685" cy="0"/>
+            </a:xfrm>
+            <a:prstGeom prst="line">
+              <a:avLst/>
+            </a:prstGeom>
+            <a:ln w="19050">
+              <a:solidFill>
+                <a:srgbClr val="FF0000"/>
+              </a:solidFill>
+            </a:ln>
+          </p:spPr>
+          <p:style>
+            <a:lnRef idx="1">
+              <a:schemeClr val="accent1"/>
+            </a:lnRef>
+            <a:fillRef idx="0">
+              <a:schemeClr val="accent1"/>
+            </a:fillRef>
+            <a:effectRef idx="0">
+              <a:schemeClr val="accent1"/>
+            </a:effectRef>
+            <a:fontRef idx="minor">
+              <a:schemeClr val="tx1"/>
+            </a:fontRef>
+          </p:style>
+        </p:cxnSp>
+        <p:cxnSp>
+          <p:nvCxnSpPr>
+            <p:cNvPr id="6" name="Conector recto 5">
+              <a:extLst>
+                <a:ext uri="{FF2B5EF4-FFF2-40B4-BE49-F238E27FC236}">
+                  <a16:creationId xmlns:a16="http://schemas.microsoft.com/office/drawing/2014/main" id="{B5F6402C-A845-4815-9E91-31C828BAB68A}"/>
+                </a:ext>
+              </a:extLst>
+            </p:cNvPr>
+            <p:cNvCxnSpPr/>
+            <p:nvPr/>
+          </p:nvCxnSpPr>
+          <p:spPr>
+            <a:xfrm>
+              <a:off x="9866811" y="461433"/>
+              <a:ext cx="0" cy="5469104"/>
+            </a:xfrm>
+            <a:prstGeom prst="line">
+              <a:avLst/>
+            </a:prstGeom>
+            <a:ln w="19050">
+              <a:solidFill>
+                <a:srgbClr val="00B050"/>
+              </a:solidFill>
+            </a:ln>
+          </p:spPr>
+          <p:style>
+            <a:lnRef idx="1">
+              <a:schemeClr val="accent1"/>
+            </a:lnRef>
+            <a:fillRef idx="0">
+              <a:schemeClr val="accent1"/>
+            </a:fillRef>
+            <a:effectRef idx="0">
+              <a:schemeClr val="accent1"/>
+            </a:effectRef>
+            <a:fontRef idx="minor">
+              <a:schemeClr val="tx1"/>
+            </a:fontRef>
+          </p:style>
+        </p:cxnSp>
+        <p:cxnSp>
+          <p:nvCxnSpPr>
+            <p:cNvPr id="11" name="Conector recto 10">
+              <a:extLst>
+                <a:ext uri="{FF2B5EF4-FFF2-40B4-BE49-F238E27FC236}">
+                  <a16:creationId xmlns:a16="http://schemas.microsoft.com/office/drawing/2014/main" id="{D9A0FE2D-DACD-4FDF-A5F7-51C0FE8B8B39}"/>
+                </a:ext>
+              </a:extLst>
+            </p:cNvPr>
+            <p:cNvCxnSpPr>
+              <a:cxnSpLocks/>
+            </p:cNvCxnSpPr>
+            <p:nvPr/>
+          </p:nvCxnSpPr>
+          <p:spPr>
+            <a:xfrm>
+              <a:off x="8734697" y="4798423"/>
+              <a:ext cx="1132114" cy="0"/>
+            </a:xfrm>
+            <a:prstGeom prst="line">
+              <a:avLst/>
+            </a:prstGeom>
+            <a:ln w="19050">
+              <a:solidFill>
+                <a:srgbClr val="00B050"/>
+              </a:solidFill>
+            </a:ln>
+          </p:spPr>
+          <p:style>
+            <a:lnRef idx="1">
+              <a:schemeClr val="accent1"/>
+            </a:lnRef>
+            <a:fillRef idx="0">
+              <a:schemeClr val="accent1"/>
+            </a:fillRef>
+            <a:effectRef idx="0">
+              <a:schemeClr val="accent1"/>
+            </a:effectRef>
+            <a:fontRef idx="minor">
+              <a:schemeClr val="tx1"/>
+            </a:fontRef>
+          </p:style>
+        </p:cxnSp>
+        <p:cxnSp>
+          <p:nvCxnSpPr>
+            <p:cNvPr id="15" name="Conector recto 14">
+              <a:extLst>
+                <a:ext uri="{FF2B5EF4-FFF2-40B4-BE49-F238E27FC236}">
+                  <a16:creationId xmlns:a16="http://schemas.microsoft.com/office/drawing/2014/main" id="{C00625C6-7ACF-4021-92F2-BB3805CBDF3B}"/>
+                </a:ext>
+              </a:extLst>
+            </p:cNvPr>
+            <p:cNvCxnSpPr/>
+            <p:nvPr/>
+          </p:nvCxnSpPr>
+          <p:spPr>
+            <a:xfrm>
+              <a:off x="8168640" y="461433"/>
+              <a:ext cx="0" cy="3753516"/>
+            </a:xfrm>
+            <a:prstGeom prst="line">
+              <a:avLst/>
+            </a:prstGeom>
+            <a:ln w="19050">
+              <a:solidFill>
+                <a:srgbClr val="7030A0"/>
+              </a:solidFill>
+            </a:ln>
+          </p:spPr>
+          <p:style>
+            <a:lnRef idx="1">
+              <a:schemeClr val="accent1"/>
+            </a:lnRef>
+            <a:fillRef idx="0">
+              <a:schemeClr val="accent1"/>
+            </a:fillRef>
+            <a:effectRef idx="0">
+              <a:schemeClr val="accent1"/>
+            </a:effectRef>
+            <a:fontRef idx="minor">
+              <a:schemeClr val="tx1"/>
+            </a:fontRef>
+          </p:style>
+        </p:cxnSp>
+        <p:cxnSp>
+          <p:nvCxnSpPr>
+            <p:cNvPr id="16" name="Conector recto 15">
+              <a:extLst>
+                <a:ext uri="{FF2B5EF4-FFF2-40B4-BE49-F238E27FC236}">
+                  <a16:creationId xmlns:a16="http://schemas.microsoft.com/office/drawing/2014/main" id="{7DD39F29-50D3-4C06-AA72-C0C0A467BC5E}"/>
+                </a:ext>
+              </a:extLst>
+            </p:cNvPr>
+            <p:cNvCxnSpPr>
+              <a:cxnSpLocks/>
+            </p:cNvCxnSpPr>
+            <p:nvPr/>
+          </p:nvCxnSpPr>
+          <p:spPr>
+            <a:xfrm>
+              <a:off x="6579325" y="2642930"/>
+              <a:ext cx="1589315" cy="0"/>
+            </a:xfrm>
+            <a:prstGeom prst="line">
+              <a:avLst/>
+            </a:prstGeom>
+            <a:ln w="19050">
+              <a:solidFill>
+                <a:srgbClr val="7030A0"/>
+              </a:solidFill>
+            </a:ln>
+          </p:spPr>
+          <p:style>
+            <a:lnRef idx="1">
+              <a:schemeClr val="accent1"/>
+            </a:lnRef>
+            <a:fillRef idx="0">
+              <a:schemeClr val="accent1"/>
+            </a:fillRef>
+            <a:effectRef idx="0">
+              <a:schemeClr val="accent1"/>
+            </a:effectRef>
+            <a:fontRef idx="minor">
+              <a:schemeClr val="tx1"/>
+            </a:fontRef>
+          </p:style>
+        </p:cxnSp>
+      </p:grpSp>
+    </p:spTree>
+    <p:extLst>
+      <p:ext uri="{BB962C8B-B14F-4D97-AF65-F5344CB8AC3E}">
+        <p14:creationId xmlns:p14="http://schemas.microsoft.com/office/powerpoint/2010/main" val="4027905588"/>
+      </p:ext>
+    </p:extLst>
+  </p:cSld>
+  <p:clrMapOvr>
+    <a:masterClrMapping/>
+  </p:clrMapOvr>
+</p:sld>
+</file>
+
+<file path=ppt/slides/slide14.xml><?xml version="1.0" encoding="utf-8"?>
+<p:sld xmlns:a="http://schemas.openxmlformats.org/drawingml/2006/main" xmlns:r="http://schemas.openxmlformats.org/officeDocument/2006/relationships" xmlns:p="http://schemas.openxmlformats.org/presentationml/2006/main">
+  <p:cSld>
+    <p:spTree>
+      <p:nvGrpSpPr>
+        <p:cNvPr id="1" name=""/>
+        <p:cNvGrpSpPr/>
+        <p:nvPr/>
+      </p:nvGrpSpPr>
+      <p:grpSpPr>
+        <a:xfrm>
+          <a:off x="0" y="0"/>
+          <a:ext cx="0" cy="0"/>
+          <a:chOff x="0" y="0"/>
+          <a:chExt cx="0" cy="0"/>
+        </a:xfrm>
+      </p:grpSpPr>
+      <p:sp>
+        <p:nvSpPr>
+          <p:cNvPr id="2" name="Título 1">
+            <a:extLst>
+              <a:ext uri="{FF2B5EF4-FFF2-40B4-BE49-F238E27FC236}">
+                <a16:creationId xmlns:a16="http://schemas.microsoft.com/office/drawing/2014/main" id="{74BE3FDF-19AD-45E9-91B4-7CAF751728B3}"/>
+              </a:ext>
+            </a:extLst>
+          </p:cNvPr>
+          <p:cNvSpPr txBox="1">
+            <a:spLocks/>
+          </p:cNvSpPr>
+          <p:nvPr/>
+        </p:nvSpPr>
+        <p:spPr>
+          <a:xfrm>
+            <a:off x="0" y="0"/>
+            <a:ext cx="12192000" cy="922867"/>
+          </a:xfrm>
+          <a:prstGeom prst="rect">
+            <a:avLst/>
+          </a:prstGeom>
+        </p:spPr>
+        <p:txBody>
+          <a:bodyPr/>
+          <a:lstStyle>
+            <a:lvl1pPr algn="l" defTabSz="914400" rtl="0" eaLnBrk="1" latinLnBrk="0" hangingPunct="1">
+              <a:lnSpc>
+                <a:spcPct val="100000"/>
+              </a:lnSpc>
+              <a:spcBef>
+                <a:spcPct val="0"/>
+              </a:spcBef>
+              <a:buNone/>
+              <a:defRPr sz="4400" kern="1200">
+                <a:solidFill>
+                  <a:schemeClr val="tx1"/>
+                </a:solidFill>
+                <a:latin typeface="+mj-lt"/>
+                <a:ea typeface="+mj-ea"/>
+                <a:cs typeface="+mj-cs"/>
+              </a:defRPr>
+            </a:lvl1pPr>
+          </a:lstStyle>
+          <a:p>
+            <a:r>
+              <a:rPr lang="es-CL" dirty="0"/>
+              <a:t>	Andesitas Chile - Perú</a:t>
+            </a:r>
+          </a:p>
+        </p:txBody>
+      </p:sp>
+      <p:pic>
+        <p:nvPicPr>
+          <p:cNvPr id="6" name="Imagen 5">
+            <a:extLst>
+              <a:ext uri="{FF2B5EF4-FFF2-40B4-BE49-F238E27FC236}">
+                <a16:creationId xmlns:a16="http://schemas.microsoft.com/office/drawing/2014/main" id="{485B9AF6-4B20-440E-B658-AF2B5DDAA60D}"/>
+              </a:ext>
+            </a:extLst>
+          </p:cNvPr>
+          <p:cNvPicPr>
+            <a:picLocks noChangeAspect="1"/>
+          </p:cNvPicPr>
+          <p:nvPr/>
+        </p:nvPicPr>
+        <p:blipFill>
+          <a:blip r:embed="rId2"/>
+          <a:stretch>
+            <a:fillRect/>
+          </a:stretch>
+        </p:blipFill>
+        <p:spPr>
+          <a:xfrm>
+            <a:off x="3476309" y="922867"/>
+            <a:ext cx="8548639" cy="5747652"/>
+          </a:xfrm>
+          <a:prstGeom prst="rect">
+            <a:avLst/>
+          </a:prstGeom>
+        </p:spPr>
+      </p:pic>
+      <p:sp>
+        <p:nvSpPr>
+          <p:cNvPr id="7" name="Rectángulo 6">
+            <a:extLst>
+              <a:ext uri="{FF2B5EF4-FFF2-40B4-BE49-F238E27FC236}">
+                <a16:creationId xmlns:a16="http://schemas.microsoft.com/office/drawing/2014/main" id="{CE9E621E-7139-4DD7-B922-01F1FFE6EC3F}"/>
+              </a:ext>
+            </a:extLst>
+          </p:cNvPr>
+          <p:cNvSpPr/>
+          <p:nvPr/>
+        </p:nvSpPr>
+        <p:spPr>
+          <a:xfrm>
+            <a:off x="4691709" y="1436052"/>
+            <a:ext cx="1587446" cy="4911634"/>
+          </a:xfrm>
+          <a:prstGeom prst="rect">
+            <a:avLst/>
+          </a:prstGeom>
+          <a:noFill/>
+          <a:ln w="28575">
+            <a:solidFill>
+              <a:srgbClr val="FF0000"/>
+            </a:solidFill>
+          </a:ln>
+        </p:spPr>
+        <p:style>
+          <a:lnRef idx="2">
+            <a:schemeClr val="accent1">
+              <a:shade val="50000"/>
+            </a:schemeClr>
+          </a:lnRef>
+          <a:fillRef idx="1">
+            <a:schemeClr val="accent1"/>
+          </a:fillRef>
+          <a:effectRef idx="0">
+            <a:schemeClr val="accent1"/>
+          </a:effectRef>
+          <a:fontRef idx="minor">
+            <a:schemeClr val="lt1"/>
+          </a:fontRef>
+        </p:style>
+        <p:txBody>
+          <a:bodyPr rtlCol="0" anchor="ctr"/>
+          <a:lstStyle/>
+          <a:p>
+            <a:pPr algn="ctr"/>
+            <a:endParaRPr lang="es-CL"/>
+          </a:p>
+        </p:txBody>
+      </p:sp>
+      <p:sp>
+        <p:nvSpPr>
+          <p:cNvPr id="4" name="CuadroTexto 3">
+            <a:extLst>
+              <a:ext uri="{FF2B5EF4-FFF2-40B4-BE49-F238E27FC236}">
+                <a16:creationId xmlns:a16="http://schemas.microsoft.com/office/drawing/2014/main" id="{F0E16913-BA45-4BA3-8914-C1056976D331}"/>
+              </a:ext>
+            </a:extLst>
+          </p:cNvPr>
+          <p:cNvSpPr txBox="1"/>
+          <p:nvPr/>
+        </p:nvSpPr>
+        <p:spPr>
+          <a:xfrm>
+            <a:off x="609289" y="2551837"/>
+            <a:ext cx="2316480" cy="1754326"/>
+          </a:xfrm>
+          <a:prstGeom prst="rect">
+            <a:avLst/>
+          </a:prstGeom>
+          <a:noFill/>
+        </p:spPr>
+        <p:txBody>
+          <a:bodyPr wrap="square" rtlCol="0">
+            <a:spAutoFit/>
+          </a:bodyPr>
+          <a:lstStyle/>
+          <a:p>
+            <a:r>
+              <a:rPr lang="es-CL" dirty="0"/>
+              <a:t>Creando un filtro en Excel, se consideran solo los datos correspondientes al arco Chileno - Peruano</a:t>
+            </a:r>
+          </a:p>
+        </p:txBody>
+      </p:sp>
+    </p:spTree>
+    <p:extLst>
+      <p:ext uri="{BB962C8B-B14F-4D97-AF65-F5344CB8AC3E}">
+        <p14:creationId xmlns:p14="http://schemas.microsoft.com/office/powerpoint/2010/main" val="1018594873"/>
+      </p:ext>
+    </p:extLst>
+  </p:cSld>
+  <p:clrMapOvr>
+    <a:masterClrMapping/>
+  </p:clrMapOvr>
+</p:sld>
+</file>
+
+<file path=ppt/slides/slide15.xml><?xml version="1.0" encoding="utf-8"?>
+<p:sld xmlns:a="http://schemas.openxmlformats.org/drawingml/2006/main" xmlns:r="http://schemas.openxmlformats.org/officeDocument/2006/relationships" xmlns:p="http://schemas.openxmlformats.org/presentationml/2006/main">
+  <p:cSld>
+    <p:spTree>
+      <p:nvGrpSpPr>
+        <p:cNvPr id="1" name=""/>
+        <p:cNvGrpSpPr/>
+        <p:nvPr/>
+      </p:nvGrpSpPr>
+      <p:grpSpPr>
+        <a:xfrm>
+          <a:off x="0" y="0"/>
+          <a:ext cx="0" cy="0"/>
+          <a:chOff x="0" y="0"/>
+          <a:chExt cx="0" cy="0"/>
+        </a:xfrm>
+      </p:grpSpPr>
+      <p:sp>
+        <p:nvSpPr>
+          <p:cNvPr id="2" name="Título 1">
+            <a:extLst>
+              <a:ext uri="{FF2B5EF4-FFF2-40B4-BE49-F238E27FC236}">
+                <a16:creationId xmlns:a16="http://schemas.microsoft.com/office/drawing/2014/main" id="{ADC628CB-B382-4767-9D7F-23511E8FC3FC}"/>
+              </a:ext>
+            </a:extLst>
+          </p:cNvPr>
+          <p:cNvSpPr txBox="1">
+            <a:spLocks/>
+          </p:cNvSpPr>
+          <p:nvPr/>
+        </p:nvSpPr>
+        <p:spPr>
+          <a:xfrm>
+            <a:off x="0" y="0"/>
+            <a:ext cx="12192000" cy="922867"/>
+          </a:xfrm>
+          <a:prstGeom prst="rect">
+            <a:avLst/>
+          </a:prstGeom>
+        </p:spPr>
+        <p:txBody>
+          <a:bodyPr/>
+          <a:lstStyle>
+            <a:lvl1pPr algn="l" defTabSz="914400" rtl="0" eaLnBrk="1" latinLnBrk="0" hangingPunct="1">
+              <a:lnSpc>
+                <a:spcPct val="100000"/>
+              </a:lnSpc>
+              <a:spcBef>
+                <a:spcPct val="0"/>
+              </a:spcBef>
+              <a:buNone/>
+              <a:defRPr sz="4400" kern="1200">
+                <a:solidFill>
+                  <a:schemeClr val="tx1"/>
+                </a:solidFill>
+                <a:latin typeface="+mj-lt"/>
+                <a:ea typeface="+mj-ea"/>
+                <a:cs typeface="+mj-cs"/>
+              </a:defRPr>
+            </a:lvl1pPr>
+          </a:lstStyle>
+          <a:p>
+            <a:r>
+              <a:rPr lang="es-CL" dirty="0"/>
+              <a:t>	Andesitas Chile - Perú</a:t>
+            </a:r>
+          </a:p>
+        </p:txBody>
+      </p:sp>
+      <p:pic>
+        <p:nvPicPr>
+          <p:cNvPr id="4" name="Imagen 3" descr="Gráfico, Gráfico de dispersión&#10;&#10;Descripción generada automáticamente">
+            <a:extLst>
+              <a:ext uri="{FF2B5EF4-FFF2-40B4-BE49-F238E27FC236}">
+                <a16:creationId xmlns:a16="http://schemas.microsoft.com/office/drawing/2014/main" id="{6A42377A-82E8-41E7-98A4-A36B55C2131E}"/>
+              </a:ext>
+            </a:extLst>
+          </p:cNvPr>
+          <p:cNvPicPr>
+            <a:picLocks noChangeAspect="1"/>
+          </p:cNvPicPr>
+          <p:nvPr/>
+        </p:nvPicPr>
+        <p:blipFill>
+          <a:blip r:embed="rId2">
+            <a:extLst>
+              <a:ext uri="{28A0092B-C50C-407E-A947-70E740481C1C}">
+                <a14:useLocalDpi xmlns:a14="http://schemas.microsoft.com/office/drawing/2010/main" val="0"/>
+              </a:ext>
+            </a:extLst>
+          </a:blip>
+          <a:stretch>
+            <a:fillRect/>
+          </a:stretch>
+        </p:blipFill>
+        <p:spPr>
+          <a:xfrm>
+            <a:off x="0" y="1129937"/>
+            <a:ext cx="5747658" cy="4598126"/>
+          </a:xfrm>
+          <a:prstGeom prst="rect">
+            <a:avLst/>
+          </a:prstGeom>
+        </p:spPr>
+      </p:pic>
+      <p:pic>
+        <p:nvPicPr>
+          <p:cNvPr id="6" name="Imagen 5" descr="Diagrama, Dibujo de ingeniería&#10;&#10;Descripción generada automáticamente">
+            <a:extLst>
+              <a:ext uri="{FF2B5EF4-FFF2-40B4-BE49-F238E27FC236}">
+                <a16:creationId xmlns:a16="http://schemas.microsoft.com/office/drawing/2014/main" id="{95261497-EC37-47C0-B84F-61AEE14B1083}"/>
+              </a:ext>
+            </a:extLst>
+          </p:cNvPr>
+          <p:cNvPicPr>
+            <a:picLocks noChangeAspect="1"/>
+          </p:cNvPicPr>
+          <p:nvPr/>
+        </p:nvPicPr>
+        <p:blipFill>
+          <a:blip r:embed="rId3">
+            <a:extLst>
+              <a:ext uri="{28A0092B-C50C-407E-A947-70E740481C1C}">
+                <a14:useLocalDpi xmlns:a14="http://schemas.microsoft.com/office/drawing/2010/main" val="0"/>
+              </a:ext>
+            </a:extLst>
+          </a:blip>
+          <a:stretch>
+            <a:fillRect/>
+          </a:stretch>
+        </p:blipFill>
+        <p:spPr>
+          <a:xfrm>
+            <a:off x="6337051" y="1277421"/>
+            <a:ext cx="5746501" cy="4597200"/>
+          </a:xfrm>
+          <a:prstGeom prst="rect">
+            <a:avLst/>
+          </a:prstGeom>
+        </p:spPr>
+      </p:pic>
+      <p:sp>
+        <p:nvSpPr>
+          <p:cNvPr id="7" name="Elipse 6">
+            <a:extLst>
+              <a:ext uri="{FF2B5EF4-FFF2-40B4-BE49-F238E27FC236}">
+                <a16:creationId xmlns:a16="http://schemas.microsoft.com/office/drawing/2014/main" id="{62E3DBFC-E453-4D05-BC6E-3B638B1E965F}"/>
+              </a:ext>
+            </a:extLst>
+          </p:cNvPr>
+          <p:cNvSpPr/>
+          <p:nvPr/>
+        </p:nvSpPr>
+        <p:spPr>
+          <a:xfrm rot="3685300">
+            <a:off x="10277958" y="3682141"/>
+            <a:ext cx="724758" cy="813236"/>
+          </a:xfrm>
+          <a:prstGeom prst="ellipse">
+            <a:avLst/>
+          </a:prstGeom>
+          <a:noFill/>
+          <a:ln w="28575">
+            <a:solidFill>
+              <a:srgbClr val="FF0000"/>
+            </a:solidFill>
+          </a:ln>
+        </p:spPr>
+        <p:style>
+          <a:lnRef idx="2">
+            <a:schemeClr val="accent1">
+              <a:shade val="50000"/>
+            </a:schemeClr>
+          </a:lnRef>
+          <a:fillRef idx="1">
+            <a:schemeClr val="accent1"/>
+          </a:fillRef>
+          <a:effectRef idx="0">
+            <a:schemeClr val="accent1"/>
+          </a:effectRef>
+          <a:fontRef idx="minor">
+            <a:schemeClr val="lt1"/>
+          </a:fontRef>
+        </p:style>
+        <p:txBody>
+          <a:bodyPr rtlCol="0" anchor="ctr"/>
+          <a:lstStyle/>
+          <a:p>
+            <a:pPr algn="ctr"/>
+            <a:endParaRPr lang="es-CL"/>
+          </a:p>
+        </p:txBody>
+      </p:sp>
+      <p:sp>
+        <p:nvSpPr>
+          <p:cNvPr id="8" name="Elipse 7">
+            <a:extLst>
+              <a:ext uri="{FF2B5EF4-FFF2-40B4-BE49-F238E27FC236}">
+                <a16:creationId xmlns:a16="http://schemas.microsoft.com/office/drawing/2014/main" id="{C45BEBF6-B01C-415D-9031-24DCB8DDD8B1}"/>
+              </a:ext>
+            </a:extLst>
+          </p:cNvPr>
+          <p:cNvSpPr/>
+          <p:nvPr/>
+        </p:nvSpPr>
+        <p:spPr>
+          <a:xfrm>
+            <a:off x="9882359" y="1951669"/>
+            <a:ext cx="1064435" cy="874587"/>
+          </a:xfrm>
+          <a:prstGeom prst="ellipse">
+            <a:avLst/>
+          </a:prstGeom>
+          <a:noFill/>
+          <a:ln w="28575">
+            <a:solidFill>
+              <a:srgbClr val="FF0000"/>
+            </a:solidFill>
+          </a:ln>
+        </p:spPr>
+        <p:style>
+          <a:lnRef idx="2">
+            <a:schemeClr val="accent1">
+              <a:shade val="50000"/>
+            </a:schemeClr>
+          </a:lnRef>
+          <a:fillRef idx="1">
+            <a:schemeClr val="accent1"/>
+          </a:fillRef>
+          <a:effectRef idx="0">
+            <a:schemeClr val="accent1"/>
+          </a:effectRef>
+          <a:fontRef idx="minor">
+            <a:schemeClr val="lt1"/>
+          </a:fontRef>
+        </p:style>
+        <p:txBody>
+          <a:bodyPr rtlCol="0" anchor="ctr"/>
+          <a:lstStyle/>
+          <a:p>
+            <a:pPr algn="ctr"/>
+            <a:endParaRPr lang="es-CL" dirty="0"/>
+          </a:p>
+        </p:txBody>
+      </p:sp>
+      <p:sp>
+        <p:nvSpPr>
+          <p:cNvPr id="9" name="Elipse 8">
+            <a:extLst>
+              <a:ext uri="{FF2B5EF4-FFF2-40B4-BE49-F238E27FC236}">
+                <a16:creationId xmlns:a16="http://schemas.microsoft.com/office/drawing/2014/main" id="{19A79B6D-C554-437C-9473-83C0168FD90E}"/>
+              </a:ext>
+            </a:extLst>
+          </p:cNvPr>
+          <p:cNvSpPr/>
+          <p:nvPr/>
+        </p:nvSpPr>
+        <p:spPr>
+          <a:xfrm rot="5400000">
+            <a:off x="10187388" y="3008377"/>
+            <a:ext cx="724758" cy="746761"/>
+          </a:xfrm>
+          <a:prstGeom prst="ellipse">
+            <a:avLst/>
+          </a:prstGeom>
+          <a:noFill/>
+          <a:ln w="28575">
+            <a:solidFill>
+              <a:srgbClr val="FF0000"/>
+            </a:solidFill>
+          </a:ln>
+        </p:spPr>
+        <p:style>
+          <a:lnRef idx="2">
+            <a:schemeClr val="accent1">
+              <a:shade val="50000"/>
+            </a:schemeClr>
+          </a:lnRef>
+          <a:fillRef idx="1">
+            <a:schemeClr val="accent1"/>
+          </a:fillRef>
+          <a:effectRef idx="0">
+            <a:schemeClr val="accent1"/>
+          </a:effectRef>
+          <a:fontRef idx="minor">
+            <a:schemeClr val="lt1"/>
+          </a:fontRef>
+        </p:style>
+        <p:txBody>
+          <a:bodyPr rtlCol="0" anchor="ctr"/>
+          <a:lstStyle/>
+          <a:p>
+            <a:pPr algn="ctr"/>
+            <a:endParaRPr lang="es-CL"/>
+          </a:p>
+        </p:txBody>
+      </p:sp>
+    </p:spTree>
+    <p:extLst>
+      <p:ext uri="{BB962C8B-B14F-4D97-AF65-F5344CB8AC3E}">
+        <p14:creationId xmlns:p14="http://schemas.microsoft.com/office/powerpoint/2010/main" val="4219532612"/>
+      </p:ext>
+    </p:extLst>
+  </p:cSld>
+  <p:clrMapOvr>
+    <a:masterClrMapping/>
+  </p:clrMapOvr>
+</p:sld>
+</file>
+
+<file path=ppt/slides/slide16.xml><?xml version="1.0" encoding="utf-8"?>
+<p:sld xmlns:a="http://schemas.openxmlformats.org/drawingml/2006/main" xmlns:r="http://schemas.openxmlformats.org/officeDocument/2006/relationships" xmlns:p="http://schemas.openxmlformats.org/presentationml/2006/main">
+  <p:cSld>
+    <p:spTree>
+      <p:nvGrpSpPr>
+        <p:cNvPr id="1" name=""/>
+        <p:cNvGrpSpPr/>
+        <p:nvPr/>
+      </p:nvGrpSpPr>
+      <p:grpSpPr>
+        <a:xfrm>
+          <a:off x="0" y="0"/>
+          <a:ext cx="0" cy="0"/>
+          <a:chOff x="0" y="0"/>
+          <a:chExt cx="0" cy="0"/>
+        </a:xfrm>
+      </p:grpSpPr>
+      <p:sp>
+        <p:nvSpPr>
+          <p:cNvPr id="2" name="Título 1">
+            <a:extLst>
+              <a:ext uri="{FF2B5EF4-FFF2-40B4-BE49-F238E27FC236}">
+                <a16:creationId xmlns:a16="http://schemas.microsoft.com/office/drawing/2014/main" id="{5AD81D39-0571-4DE9-9475-0CE5E07AFF95}"/>
+              </a:ext>
+            </a:extLst>
+          </p:cNvPr>
+          <p:cNvSpPr txBox="1">
+            <a:spLocks/>
+          </p:cNvSpPr>
+          <p:nvPr/>
+        </p:nvSpPr>
+        <p:spPr>
+          <a:xfrm>
+            <a:off x="0" y="0"/>
+            <a:ext cx="12192000" cy="922867"/>
+          </a:xfrm>
+          <a:prstGeom prst="rect">
+            <a:avLst/>
+          </a:prstGeom>
+        </p:spPr>
+        <p:txBody>
+          <a:bodyPr/>
+          <a:lstStyle>
+            <a:lvl1pPr algn="l" defTabSz="914400" rtl="0" eaLnBrk="1" latinLnBrk="0" hangingPunct="1">
+              <a:lnSpc>
+                <a:spcPct val="100000"/>
+              </a:lnSpc>
+              <a:spcBef>
+                <a:spcPct val="0"/>
+              </a:spcBef>
+              <a:buNone/>
+              <a:defRPr sz="4400" kern="1200">
+                <a:solidFill>
+                  <a:schemeClr val="tx1"/>
+                </a:solidFill>
+                <a:latin typeface="+mj-lt"/>
+                <a:ea typeface="+mj-ea"/>
+                <a:cs typeface="+mj-cs"/>
+              </a:defRPr>
+            </a:lvl1pPr>
+          </a:lstStyle>
+          <a:p>
+            <a:r>
+              <a:rPr lang="es-CL" dirty="0"/>
+              <a:t>	Andesitas Chile - Perú</a:t>
+            </a:r>
+          </a:p>
+        </p:txBody>
+      </p:sp>
+      <p:pic>
+        <p:nvPicPr>
+          <p:cNvPr id="4" name="Imagen 3" descr="Gráfico&#10;&#10;Descripción generada automáticamente con confianza baja">
+            <a:extLst>
+              <a:ext uri="{FF2B5EF4-FFF2-40B4-BE49-F238E27FC236}">
+                <a16:creationId xmlns:a16="http://schemas.microsoft.com/office/drawing/2014/main" id="{29FC4C71-1E95-4E93-94B5-D3D2D497D1E1}"/>
+              </a:ext>
+            </a:extLst>
+          </p:cNvPr>
+          <p:cNvPicPr>
+            <a:picLocks noChangeAspect="1"/>
+          </p:cNvPicPr>
+          <p:nvPr/>
+        </p:nvPicPr>
+        <p:blipFill>
+          <a:blip r:embed="rId2">
+            <a:extLst>
+              <a:ext uri="{28A0092B-C50C-407E-A947-70E740481C1C}">
+                <a14:useLocalDpi xmlns:a14="http://schemas.microsoft.com/office/drawing/2010/main" val="0"/>
+              </a:ext>
+            </a:extLst>
+          </a:blip>
+          <a:stretch>
+            <a:fillRect/>
+          </a:stretch>
+        </p:blipFill>
+        <p:spPr>
+          <a:xfrm>
+            <a:off x="2762249" y="922867"/>
+            <a:ext cx="6667501" cy="5334000"/>
+          </a:xfrm>
+          <a:prstGeom prst="rect">
+            <a:avLst/>
+          </a:prstGeom>
+        </p:spPr>
+      </p:pic>
+    </p:spTree>
+    <p:extLst>
+      <p:ext uri="{BB962C8B-B14F-4D97-AF65-F5344CB8AC3E}">
+        <p14:creationId xmlns:p14="http://schemas.microsoft.com/office/powerpoint/2010/main" val="3512532301"/>
+      </p:ext>
+    </p:extLst>
+  </p:cSld>
+  <p:clrMapOvr>
+    <a:masterClrMapping/>
+  </p:clrMapOvr>
+</p:sld>
+</file>
+
+<file path=ppt/slides/slide17.xml><?xml version="1.0" encoding="utf-8"?>
+<p:sld xmlns:a="http://schemas.openxmlformats.org/drawingml/2006/main" xmlns:r="http://schemas.openxmlformats.org/officeDocument/2006/relationships" xmlns:p="http://schemas.openxmlformats.org/presentationml/2006/main">
+  <p:cSld>
+    <p:spTree>
+      <p:nvGrpSpPr>
+        <p:cNvPr id="1" name=""/>
+        <p:cNvGrpSpPr/>
+        <p:nvPr/>
+      </p:nvGrpSpPr>
+      <p:grpSpPr>
+        <a:xfrm>
+          <a:off x="0" y="0"/>
+          <a:ext cx="0" cy="0"/>
+          <a:chOff x="0" y="0"/>
+          <a:chExt cx="0" cy="0"/>
+        </a:xfrm>
+      </p:grpSpPr>
+      <p:sp>
+        <p:nvSpPr>
+          <p:cNvPr id="2" name="Título 1">
+            <a:extLst>
+              <a:ext uri="{FF2B5EF4-FFF2-40B4-BE49-F238E27FC236}">
+                <a16:creationId xmlns:a16="http://schemas.microsoft.com/office/drawing/2014/main" id="{97DC891F-799C-4A44-92B3-9F32DC0C2EC5}"/>
+              </a:ext>
+            </a:extLst>
+          </p:cNvPr>
+          <p:cNvSpPr txBox="1">
+            <a:spLocks/>
+          </p:cNvSpPr>
+          <p:nvPr/>
+        </p:nvSpPr>
+        <p:spPr>
+          <a:xfrm>
+            <a:off x="0" y="0"/>
+            <a:ext cx="12192000" cy="922867"/>
+          </a:xfrm>
+          <a:prstGeom prst="rect">
+            <a:avLst/>
+          </a:prstGeom>
+        </p:spPr>
+        <p:txBody>
+          <a:bodyPr/>
+          <a:lstStyle>
+            <a:lvl1pPr algn="l" defTabSz="914400" rtl="0" eaLnBrk="1" latinLnBrk="0" hangingPunct="1">
+              <a:lnSpc>
+                <a:spcPct val="100000"/>
+              </a:lnSpc>
+              <a:spcBef>
+                <a:spcPct val="0"/>
+              </a:spcBef>
+              <a:buNone/>
+              <a:defRPr sz="4400" kern="1200">
+                <a:solidFill>
+                  <a:schemeClr val="tx1"/>
+                </a:solidFill>
+                <a:latin typeface="+mj-lt"/>
+                <a:ea typeface="+mj-ea"/>
+                <a:cs typeface="+mj-cs"/>
+              </a:defRPr>
+            </a:lvl1pPr>
+          </a:lstStyle>
+          <a:p>
+            <a:r>
+              <a:rPr lang="es-CL" dirty="0"/>
+              <a:t>Señal </a:t>
+            </a:r>
+            <a:r>
+              <a:rPr lang="es-CL" dirty="0" err="1"/>
+              <a:t>Adakítica</a:t>
+            </a:r>
+            <a:r>
+              <a:rPr lang="es-CL" dirty="0"/>
+              <a:t>?</a:t>
+            </a:r>
+          </a:p>
+        </p:txBody>
+      </p:sp>
+      <p:pic>
+        <p:nvPicPr>
+          <p:cNvPr id="4" name="Imagen 3" descr="Gráfico, Gráfico de dispersión&#10;&#10;Descripción generada automáticamente">
+            <a:extLst>
+              <a:ext uri="{FF2B5EF4-FFF2-40B4-BE49-F238E27FC236}">
+                <a16:creationId xmlns:a16="http://schemas.microsoft.com/office/drawing/2014/main" id="{26F725FC-7AAD-47C7-AC01-0766BC133A03}"/>
+              </a:ext>
+            </a:extLst>
+          </p:cNvPr>
+          <p:cNvPicPr>
+            <a:picLocks noChangeAspect="1"/>
+          </p:cNvPicPr>
+          <p:nvPr/>
+        </p:nvPicPr>
+        <p:blipFill>
+          <a:blip r:embed="rId2">
+            <a:extLst>
+              <a:ext uri="{28A0092B-C50C-407E-A947-70E740481C1C}">
+                <a14:useLocalDpi xmlns:a14="http://schemas.microsoft.com/office/drawing/2010/main" val="0"/>
+              </a:ext>
+            </a:extLst>
+          </a:blip>
+          <a:stretch>
+            <a:fillRect/>
+          </a:stretch>
+        </p:blipFill>
+        <p:spPr>
+          <a:xfrm>
+            <a:off x="533400" y="1056217"/>
+            <a:ext cx="6753226" cy="5402580"/>
+          </a:xfrm>
+          <a:prstGeom prst="rect">
+            <a:avLst/>
+          </a:prstGeom>
+        </p:spPr>
+      </p:pic>
+    </p:spTree>
+    <p:extLst>
+      <p:ext uri="{BB962C8B-B14F-4D97-AF65-F5344CB8AC3E}">
+        <p14:creationId xmlns:p14="http://schemas.microsoft.com/office/powerpoint/2010/main" val="3935596031"/>
+      </p:ext>
+    </p:extLst>
+  </p:cSld>
+  <p:clrMapOvr>
+    <a:masterClrMapping/>
+  </p:clrMapOvr>
+</p:sld>
+</file>
+
+<file path=ppt/slides/slide18.xml><?xml version="1.0" encoding="utf-8"?>
+<p:sld xmlns:a="http://schemas.openxmlformats.org/drawingml/2006/main" xmlns:r="http://schemas.openxmlformats.org/officeDocument/2006/relationships" xmlns:p="http://schemas.openxmlformats.org/presentationml/2006/main">
+  <p:cSld>
+    <p:spTree>
+      <p:nvGrpSpPr>
+        <p:cNvPr id="1" name=""/>
+        <p:cNvGrpSpPr/>
+        <p:nvPr/>
+      </p:nvGrpSpPr>
+      <p:grpSpPr>
+        <a:xfrm>
+          <a:off x="0" y="0"/>
+          <a:ext cx="0" cy="0"/>
+          <a:chOff x="0" y="0"/>
+          <a:chExt cx="0" cy="0"/>
+        </a:xfrm>
+      </p:grpSpPr>
+      <p:sp>
+        <p:nvSpPr>
+          <p:cNvPr id="2" name="Título 1">
+            <a:extLst>
+              <a:ext uri="{FF2B5EF4-FFF2-40B4-BE49-F238E27FC236}">
+                <a16:creationId xmlns:a16="http://schemas.microsoft.com/office/drawing/2014/main" id="{97DC891F-799C-4A44-92B3-9F32DC0C2EC5}"/>
+              </a:ext>
+            </a:extLst>
+          </p:cNvPr>
+          <p:cNvSpPr txBox="1">
+            <a:spLocks/>
+          </p:cNvSpPr>
+          <p:nvPr/>
+        </p:nvSpPr>
+        <p:spPr>
+          <a:xfrm>
+            <a:off x="0" y="0"/>
+            <a:ext cx="12192000" cy="922867"/>
+          </a:xfrm>
+          <a:prstGeom prst="rect">
+            <a:avLst/>
+          </a:prstGeom>
+        </p:spPr>
+        <p:txBody>
+          <a:bodyPr/>
+          <a:lstStyle>
+            <a:lvl1pPr algn="l" defTabSz="914400" rtl="0" eaLnBrk="1" latinLnBrk="0" hangingPunct="1">
+              <a:lnSpc>
+                <a:spcPct val="100000"/>
+              </a:lnSpc>
+              <a:spcBef>
+                <a:spcPct val="0"/>
+              </a:spcBef>
+              <a:buNone/>
+              <a:defRPr sz="4400" kern="1200">
+                <a:solidFill>
+                  <a:schemeClr val="tx1"/>
+                </a:solidFill>
+                <a:latin typeface="+mj-lt"/>
+                <a:ea typeface="+mj-ea"/>
+                <a:cs typeface="+mj-cs"/>
+              </a:defRPr>
+            </a:lvl1pPr>
+          </a:lstStyle>
+          <a:p>
+            <a:r>
+              <a:rPr lang="es-CL" dirty="0"/>
+              <a:t>Señal </a:t>
+            </a:r>
+            <a:r>
+              <a:rPr lang="es-CL" dirty="0" err="1"/>
+              <a:t>Adakítica</a:t>
+            </a:r>
+            <a:r>
+              <a:rPr lang="es-CL" dirty="0"/>
+              <a:t>?</a:t>
+            </a:r>
+          </a:p>
+        </p:txBody>
+      </p:sp>
+      <p:pic>
+        <p:nvPicPr>
+          <p:cNvPr id="4" name="Imagen 3" descr="Gráfico, Gráfico de dispersión&#10;&#10;Descripción generada automáticamente">
+            <a:extLst>
+              <a:ext uri="{FF2B5EF4-FFF2-40B4-BE49-F238E27FC236}">
+                <a16:creationId xmlns:a16="http://schemas.microsoft.com/office/drawing/2014/main" id="{26F725FC-7AAD-47C7-AC01-0766BC133A03}"/>
+              </a:ext>
+            </a:extLst>
+          </p:cNvPr>
+          <p:cNvPicPr>
+            <a:picLocks noChangeAspect="1"/>
+          </p:cNvPicPr>
+          <p:nvPr/>
+        </p:nvPicPr>
+        <p:blipFill>
+          <a:blip r:embed="rId2">
+            <a:extLst>
+              <a:ext uri="{28A0092B-C50C-407E-A947-70E740481C1C}">
+                <a14:useLocalDpi xmlns:a14="http://schemas.microsoft.com/office/drawing/2010/main" val="0"/>
+              </a:ext>
+            </a:extLst>
+          </a:blip>
+          <a:stretch>
+            <a:fillRect/>
+          </a:stretch>
+        </p:blipFill>
+        <p:spPr>
+          <a:xfrm>
+            <a:off x="533400" y="1056217"/>
+            <a:ext cx="6753226" cy="5402580"/>
+          </a:xfrm>
+          <a:prstGeom prst="rect">
+            <a:avLst/>
+          </a:prstGeom>
+        </p:spPr>
+      </p:pic>
+      <p:sp>
+        <p:nvSpPr>
+          <p:cNvPr id="5" name="Elipse 4">
+            <a:extLst>
+              <a:ext uri="{FF2B5EF4-FFF2-40B4-BE49-F238E27FC236}">
+                <a16:creationId xmlns:a16="http://schemas.microsoft.com/office/drawing/2014/main" id="{09CF79BB-525C-4B61-884D-54D821CA2028}"/>
+              </a:ext>
+            </a:extLst>
+          </p:cNvPr>
+          <p:cNvSpPr/>
+          <p:nvPr/>
+        </p:nvSpPr>
+        <p:spPr>
+          <a:xfrm rot="20845330">
+            <a:off x="518429" y="1473879"/>
+            <a:ext cx="1924050" cy="3776045"/>
+          </a:xfrm>
+          <a:prstGeom prst="ellipse">
+            <a:avLst/>
+          </a:prstGeom>
+          <a:noFill/>
+          <a:ln w="19050">
+            <a:solidFill>
+              <a:srgbClr val="FF0000"/>
+            </a:solidFill>
+          </a:ln>
+        </p:spPr>
+        <p:style>
+          <a:lnRef idx="2">
+            <a:schemeClr val="accent1">
+              <a:shade val="50000"/>
+            </a:schemeClr>
+          </a:lnRef>
+          <a:fillRef idx="1">
+            <a:schemeClr val="accent1"/>
+          </a:fillRef>
+          <a:effectRef idx="0">
+            <a:schemeClr val="accent1"/>
+          </a:effectRef>
+          <a:fontRef idx="minor">
+            <a:schemeClr val="lt1"/>
+          </a:fontRef>
+        </p:style>
+        <p:txBody>
+          <a:bodyPr rtlCol="0" anchor="ctr"/>
+          <a:lstStyle/>
+          <a:p>
+            <a:pPr algn="ctr"/>
+            <a:endParaRPr lang="es-CL"/>
+          </a:p>
+        </p:txBody>
+      </p:sp>
+      <p:pic>
+        <p:nvPicPr>
+          <p:cNvPr id="6" name="Imagen 5">
+            <a:extLst>
+              <a:ext uri="{FF2B5EF4-FFF2-40B4-BE49-F238E27FC236}">
+                <a16:creationId xmlns:a16="http://schemas.microsoft.com/office/drawing/2014/main" id="{E50E80BC-0B7F-42CF-A8DE-14806E4D31D3}"/>
+              </a:ext>
+            </a:extLst>
+          </p:cNvPr>
+          <p:cNvPicPr>
+            <a:picLocks noChangeAspect="1"/>
+          </p:cNvPicPr>
+          <p:nvPr/>
+        </p:nvPicPr>
+        <p:blipFill>
+          <a:blip r:embed="rId3"/>
+          <a:stretch>
+            <a:fillRect/>
+          </a:stretch>
+        </p:blipFill>
+        <p:spPr>
+          <a:xfrm>
+            <a:off x="6096000" y="1184899"/>
+            <a:ext cx="5729782" cy="4488201"/>
+          </a:xfrm>
+          <a:prstGeom prst="rect">
+            <a:avLst/>
+          </a:prstGeom>
+        </p:spPr>
+      </p:pic>
+      <p:sp>
+        <p:nvSpPr>
+          <p:cNvPr id="3" name="Flecha: hacia abajo 2">
+            <a:extLst>
+              <a:ext uri="{FF2B5EF4-FFF2-40B4-BE49-F238E27FC236}">
+                <a16:creationId xmlns:a16="http://schemas.microsoft.com/office/drawing/2014/main" id="{23006D1C-B21A-4EC8-8318-6A668C41F4B8}"/>
+              </a:ext>
+            </a:extLst>
+          </p:cNvPr>
+          <p:cNvSpPr/>
+          <p:nvPr/>
+        </p:nvSpPr>
+        <p:spPr>
+          <a:xfrm rot="5400000">
+            <a:off x="4005643" y="1584679"/>
+            <a:ext cx="843132" cy="3193341"/>
+          </a:xfrm>
+          <a:prstGeom prst="downArrow">
+            <a:avLst/>
+          </a:prstGeom>
+        </p:spPr>
+        <p:style>
+          <a:lnRef idx="2">
+            <a:schemeClr val="accent1">
+              <a:shade val="50000"/>
+            </a:schemeClr>
+          </a:lnRef>
+          <a:fillRef idx="1">
+            <a:schemeClr val="accent1"/>
+          </a:fillRef>
+          <a:effectRef idx="0">
+            <a:schemeClr val="accent1"/>
+          </a:effectRef>
+          <a:fontRef idx="minor">
+            <a:schemeClr val="lt1"/>
+          </a:fontRef>
+        </p:style>
+        <p:txBody>
+          <a:bodyPr rtlCol="0" anchor="ctr"/>
+          <a:lstStyle/>
+          <a:p>
+            <a:pPr algn="ctr"/>
+            <a:endParaRPr lang="es-CL"/>
+          </a:p>
+        </p:txBody>
+      </p:sp>
+    </p:spTree>
+    <p:extLst>
+      <p:ext uri="{BB962C8B-B14F-4D97-AF65-F5344CB8AC3E}">
+        <p14:creationId xmlns:p14="http://schemas.microsoft.com/office/powerpoint/2010/main" val="1119144912"/>
+      </p:ext>
+    </p:extLst>
+  </p:cSld>
+  <p:clrMapOvr>
+    <a:masterClrMapping/>
+  </p:clrMapOvr>
+</p:sld>
+</file>
+
+<file path=ppt/slides/slide19.xml><?xml version="1.0" encoding="utf-8"?>
+<p:sld xmlns:a="http://schemas.openxmlformats.org/drawingml/2006/main" xmlns:r="http://schemas.openxmlformats.org/officeDocument/2006/relationships" xmlns:p="http://schemas.openxmlformats.org/presentationml/2006/main">
+  <p:cSld>
+    <p:spTree>
+      <p:nvGrpSpPr>
+        <p:cNvPr id="1" name=""/>
+        <p:cNvGrpSpPr/>
+        <p:nvPr/>
+      </p:nvGrpSpPr>
+      <p:grpSpPr>
+        <a:xfrm>
+          <a:off x="0" y="0"/>
+          <a:ext cx="0" cy="0"/>
+          <a:chOff x="0" y="0"/>
+          <a:chExt cx="0" cy="0"/>
+        </a:xfrm>
+      </p:grpSpPr>
+      <p:sp>
+        <p:nvSpPr>
+          <p:cNvPr id="2" name="Título 1">
+            <a:extLst>
+              <a:ext uri="{FF2B5EF4-FFF2-40B4-BE49-F238E27FC236}">
+                <a16:creationId xmlns:a16="http://schemas.microsoft.com/office/drawing/2014/main" id="{97DC891F-799C-4A44-92B3-9F32DC0C2EC5}"/>
+              </a:ext>
+            </a:extLst>
+          </p:cNvPr>
+          <p:cNvSpPr txBox="1">
+            <a:spLocks/>
+          </p:cNvSpPr>
+          <p:nvPr/>
+        </p:nvSpPr>
+        <p:spPr>
+          <a:xfrm>
+            <a:off x="0" y="0"/>
+            <a:ext cx="12192000" cy="922867"/>
+          </a:xfrm>
+          <a:prstGeom prst="rect">
+            <a:avLst/>
+          </a:prstGeom>
+        </p:spPr>
+        <p:txBody>
+          <a:bodyPr/>
+          <a:lstStyle>
+            <a:lvl1pPr algn="l" defTabSz="914400" rtl="0" eaLnBrk="1" latinLnBrk="0" hangingPunct="1">
+              <a:lnSpc>
+                <a:spcPct val="100000"/>
+              </a:lnSpc>
+              <a:spcBef>
+                <a:spcPct val="0"/>
+              </a:spcBef>
+              <a:buNone/>
+              <a:defRPr sz="4400" kern="1200">
+                <a:solidFill>
+                  <a:schemeClr val="tx1"/>
+                </a:solidFill>
+                <a:latin typeface="+mj-lt"/>
+                <a:ea typeface="+mj-ea"/>
+                <a:cs typeface="+mj-cs"/>
+              </a:defRPr>
+            </a:lvl1pPr>
+          </a:lstStyle>
+          <a:p>
+            <a:r>
+              <a:rPr lang="es-CL" dirty="0"/>
+              <a:t>Señal </a:t>
+            </a:r>
+            <a:r>
+              <a:rPr lang="es-CL" dirty="0" err="1"/>
+              <a:t>Adakítica</a:t>
+            </a:r>
+            <a:r>
+              <a:rPr lang="es-CL" dirty="0"/>
+              <a:t>?</a:t>
+            </a:r>
+          </a:p>
+        </p:txBody>
+      </p:sp>
+      <p:pic>
+        <p:nvPicPr>
+          <p:cNvPr id="4" name="Imagen 3" descr="Gráfico, Gráfico de dispersión&#10;&#10;Descripción generada automáticamente">
+            <a:extLst>
+              <a:ext uri="{FF2B5EF4-FFF2-40B4-BE49-F238E27FC236}">
+                <a16:creationId xmlns:a16="http://schemas.microsoft.com/office/drawing/2014/main" id="{26F725FC-7AAD-47C7-AC01-0766BC133A03}"/>
+              </a:ext>
+            </a:extLst>
+          </p:cNvPr>
+          <p:cNvPicPr>
+            <a:picLocks noChangeAspect="1"/>
+          </p:cNvPicPr>
+          <p:nvPr/>
+        </p:nvPicPr>
+        <p:blipFill>
+          <a:blip r:embed="rId2">
+            <a:extLst>
+              <a:ext uri="{28A0092B-C50C-407E-A947-70E740481C1C}">
+                <a14:useLocalDpi xmlns:a14="http://schemas.microsoft.com/office/drawing/2010/main" val="0"/>
+              </a:ext>
+            </a:extLst>
+          </a:blip>
+          <a:stretch>
+            <a:fillRect/>
+          </a:stretch>
+        </p:blipFill>
+        <p:spPr>
+          <a:xfrm>
+            <a:off x="533400" y="1056217"/>
+            <a:ext cx="6753226" cy="5402580"/>
+          </a:xfrm>
+          <a:prstGeom prst="rect">
+            <a:avLst/>
+          </a:prstGeom>
+        </p:spPr>
+      </p:pic>
+      <p:sp>
+        <p:nvSpPr>
+          <p:cNvPr id="5" name="Elipse 4">
+            <a:extLst>
+              <a:ext uri="{FF2B5EF4-FFF2-40B4-BE49-F238E27FC236}">
+                <a16:creationId xmlns:a16="http://schemas.microsoft.com/office/drawing/2014/main" id="{09CF79BB-525C-4B61-884D-54D821CA2028}"/>
+              </a:ext>
+            </a:extLst>
+          </p:cNvPr>
+          <p:cNvSpPr/>
+          <p:nvPr/>
+        </p:nvSpPr>
+        <p:spPr>
+          <a:xfrm rot="20845330">
+            <a:off x="518429" y="1473879"/>
+            <a:ext cx="1924050" cy="3776045"/>
+          </a:xfrm>
+          <a:prstGeom prst="ellipse">
+            <a:avLst/>
+          </a:prstGeom>
+          <a:noFill/>
+          <a:ln w="19050">
+            <a:solidFill>
+              <a:srgbClr val="FF0000"/>
+            </a:solidFill>
+          </a:ln>
+        </p:spPr>
+        <p:style>
+          <a:lnRef idx="2">
+            <a:schemeClr val="accent1">
+              <a:shade val="50000"/>
+            </a:schemeClr>
+          </a:lnRef>
+          <a:fillRef idx="1">
+            <a:schemeClr val="accent1"/>
+          </a:fillRef>
+          <a:effectRef idx="0">
+            <a:schemeClr val="accent1"/>
+          </a:effectRef>
+          <a:fontRef idx="minor">
+            <a:schemeClr val="lt1"/>
+          </a:fontRef>
+        </p:style>
+        <p:txBody>
+          <a:bodyPr rtlCol="0" anchor="ctr"/>
+          <a:lstStyle/>
+          <a:p>
+            <a:pPr algn="ctr"/>
+            <a:endParaRPr lang="es-CL"/>
+          </a:p>
+        </p:txBody>
+      </p:sp>
+      <p:sp>
+        <p:nvSpPr>
+          <p:cNvPr id="3" name="Flecha: hacia abajo 2">
+            <a:extLst>
+              <a:ext uri="{FF2B5EF4-FFF2-40B4-BE49-F238E27FC236}">
+                <a16:creationId xmlns:a16="http://schemas.microsoft.com/office/drawing/2014/main" id="{23006D1C-B21A-4EC8-8318-6A668C41F4B8}"/>
+              </a:ext>
+            </a:extLst>
+          </p:cNvPr>
+          <p:cNvSpPr/>
+          <p:nvPr/>
+        </p:nvSpPr>
+        <p:spPr>
+          <a:xfrm rot="5400000">
+            <a:off x="4856091" y="734232"/>
+            <a:ext cx="843132" cy="4894236"/>
+          </a:xfrm>
+          <a:prstGeom prst="downArrow">
+            <a:avLst/>
+          </a:prstGeom>
+        </p:spPr>
+        <p:style>
+          <a:lnRef idx="2">
+            <a:schemeClr val="accent1">
+              <a:shade val="50000"/>
+            </a:schemeClr>
+          </a:lnRef>
+          <a:fillRef idx="1">
+            <a:schemeClr val="accent1"/>
+          </a:fillRef>
+          <a:effectRef idx="0">
+            <a:schemeClr val="accent1"/>
+          </a:effectRef>
+          <a:fontRef idx="minor">
+            <a:schemeClr val="lt1"/>
+          </a:fontRef>
+        </p:style>
+        <p:txBody>
+          <a:bodyPr rtlCol="0" anchor="ctr"/>
+          <a:lstStyle/>
+          <a:p>
+            <a:pPr algn="ctr"/>
+            <a:endParaRPr lang="es-CL"/>
+          </a:p>
+        </p:txBody>
+      </p:sp>
+      <p:pic>
+        <p:nvPicPr>
+          <p:cNvPr id="10" name="Imagen 9">
+            <a:extLst>
+              <a:ext uri="{FF2B5EF4-FFF2-40B4-BE49-F238E27FC236}">
+                <a16:creationId xmlns:a16="http://schemas.microsoft.com/office/drawing/2014/main" id="{F3155F49-3119-4ACD-A426-C43D535A9230}"/>
+              </a:ext>
+            </a:extLst>
+          </p:cNvPr>
+          <p:cNvPicPr>
+            <a:picLocks noChangeAspect="1"/>
+          </p:cNvPicPr>
+          <p:nvPr/>
+        </p:nvPicPr>
+        <p:blipFill>
+          <a:blip r:embed="rId3"/>
+          <a:stretch>
+            <a:fillRect/>
+          </a:stretch>
+        </p:blipFill>
+        <p:spPr>
+          <a:xfrm>
+            <a:off x="7867137" y="1056217"/>
+            <a:ext cx="3677163" cy="4972744"/>
+          </a:xfrm>
+          <a:prstGeom prst="rect">
+            <a:avLst/>
+          </a:prstGeom>
+        </p:spPr>
+      </p:pic>
+      <p:sp>
+        <p:nvSpPr>
+          <p:cNvPr id="11" name="Elipse 10">
+            <a:extLst>
+              <a:ext uri="{FF2B5EF4-FFF2-40B4-BE49-F238E27FC236}">
+                <a16:creationId xmlns:a16="http://schemas.microsoft.com/office/drawing/2014/main" id="{71810043-81A7-4725-88FA-421E0990DC57}"/>
+              </a:ext>
+            </a:extLst>
+          </p:cNvPr>
+          <p:cNvSpPr/>
+          <p:nvPr/>
+        </p:nvSpPr>
+        <p:spPr>
+          <a:xfrm rot="20845330">
+            <a:off x="8399437" y="1293327"/>
+            <a:ext cx="1924050" cy="3776045"/>
+          </a:xfrm>
+          <a:prstGeom prst="ellipse">
+            <a:avLst/>
+          </a:prstGeom>
+          <a:noFill/>
+          <a:ln w="38100">
+            <a:solidFill>
+              <a:srgbClr val="FF0000"/>
+            </a:solidFill>
+          </a:ln>
+        </p:spPr>
+        <p:style>
+          <a:lnRef idx="2">
+            <a:schemeClr val="accent1">
+              <a:shade val="50000"/>
+            </a:schemeClr>
+          </a:lnRef>
+          <a:fillRef idx="1">
+            <a:schemeClr val="accent1"/>
+          </a:fillRef>
+          <a:effectRef idx="0">
+            <a:schemeClr val="accent1"/>
+          </a:effectRef>
+          <a:fontRef idx="minor">
+            <a:schemeClr val="lt1"/>
+          </a:fontRef>
+        </p:style>
+        <p:txBody>
+          <a:bodyPr rtlCol="0" anchor="ctr"/>
+          <a:lstStyle/>
+          <a:p>
+            <a:pPr algn="ctr"/>
+            <a:endParaRPr lang="es-CL"/>
+          </a:p>
+        </p:txBody>
+      </p:sp>
+    </p:spTree>
+    <p:extLst>
+      <p:ext uri="{BB962C8B-B14F-4D97-AF65-F5344CB8AC3E}">
+        <p14:creationId xmlns:p14="http://schemas.microsoft.com/office/powerpoint/2010/main" val="8297013"/>
+      </p:ext>
+    </p:extLst>
+  </p:cSld>
+  <p:clrMapOvr>
+    <a:masterClrMapping/>
+  </p:clrMapOvr>
+</p:sld>
+</file>
+
 <file path=ppt/slides/slide2.xml><?xml version="1.0" encoding="utf-8"?>
 <p:sld xmlns:a="http://schemas.openxmlformats.org/drawingml/2006/main" xmlns:r="http://schemas.openxmlformats.org/officeDocument/2006/relationships" xmlns:p="http://schemas.openxmlformats.org/presentationml/2006/main">
   <p:cSld>
@@ -5440,7 +8007,7 @@
 </p:sld>
 </file>
 
-<file path=ppt/slides/slide3.xml><?xml version="1.0" encoding="utf-8"?>
+<file path=ppt/slides/slide20.xml><?xml version="1.0" encoding="utf-8"?>
 <p:sld xmlns:a="http://schemas.openxmlformats.org/drawingml/2006/main" xmlns:r="http://schemas.openxmlformats.org/officeDocument/2006/relationships" xmlns:p="http://schemas.openxmlformats.org/presentationml/2006/main">
   <p:cSld>
     <p:spTree>
@@ -5459,10 +8026,10 @@
       </p:grpSpPr>
       <p:sp>
         <p:nvSpPr>
-          <p:cNvPr id="4" name="Título 1">
-            <a:extLst>
-              <a:ext uri="{FF2B5EF4-FFF2-40B4-BE49-F238E27FC236}">
-                <a16:creationId xmlns:a16="http://schemas.microsoft.com/office/drawing/2014/main" id="{3B91DE8D-B9D0-42AA-A537-955612B6F61F}"/>
+          <p:cNvPr id="2" name="Título 1">
+            <a:extLst>
+              <a:ext uri="{FF2B5EF4-FFF2-40B4-BE49-F238E27FC236}">
+                <a16:creationId xmlns:a16="http://schemas.microsoft.com/office/drawing/2014/main" id="{F595A7E2-B3E0-4819-BFEF-01996406275C}"/>
               </a:ext>
             </a:extLst>
           </p:cNvPr>
@@ -5504,17 +8071,17 @@
           <a:p>
             <a:r>
               <a:rPr lang="es-CL" dirty="0"/>
-              <a:t>	Micas</a:t>
-            </a:r>
-          </a:p>
-        </p:txBody>
-      </p:sp>
-      <p:sp>
-        <p:nvSpPr>
-          <p:cNvPr id="5" name="CuadroTexto 4">
-            <a:extLst>
-              <a:ext uri="{FF2B5EF4-FFF2-40B4-BE49-F238E27FC236}">
-                <a16:creationId xmlns:a16="http://schemas.microsoft.com/office/drawing/2014/main" id="{3D943DE6-81AD-4A50-8A38-3F5CDDA2BA3F}"/>
+              <a:t>Consideraciones Finales</a:t>
+            </a:r>
+          </a:p>
+        </p:txBody>
+      </p:sp>
+      <p:sp>
+        <p:nvSpPr>
+          <p:cNvPr id="3" name="CuadroTexto 2">
+            <a:extLst>
+              <a:ext uri="{FF2B5EF4-FFF2-40B4-BE49-F238E27FC236}">
+                <a16:creationId xmlns:a16="http://schemas.microsoft.com/office/drawing/2014/main" id="{7864290E-89C8-419D-BBA4-383C743C49EC}"/>
               </a:ext>
             </a:extLst>
           </p:cNvPr>
@@ -5523,7 +8090,155 @@
         </p:nvSpPr>
         <p:spPr>
           <a:xfrm>
-            <a:off x="338666" y="1312333"/>
+            <a:off x="790575" y="1752600"/>
+            <a:ext cx="10029825" cy="1477328"/>
+          </a:xfrm>
+          <a:prstGeom prst="rect">
+            <a:avLst/>
+          </a:prstGeom>
+          <a:noFill/>
+        </p:spPr>
+        <p:txBody>
+          <a:bodyPr wrap="square" rtlCol="0">
+            <a:spAutoFit/>
+          </a:bodyPr>
+          <a:lstStyle/>
+          <a:p>
+            <a:pPr marL="285750" indent="-285750">
+              <a:buFont typeface="Arial" panose="020B0604020202020204" pitchFamily="34" charset="0"/>
+              <a:buChar char="•"/>
+            </a:pPr>
+            <a:r>
+              <a:rPr lang="es-CL" dirty="0"/>
+              <a:t>El uso de R </a:t>
+            </a:r>
+            <a:r>
+              <a:rPr lang="es-CL" dirty="0" err="1"/>
+              <a:t>studio</a:t>
+            </a:r>
+            <a:r>
+              <a:rPr lang="es-CL" dirty="0"/>
+              <a:t> permite un completo análisis de grandes bases de datos.</a:t>
+            </a:r>
+          </a:p>
+          <a:p>
+            <a:pPr marL="285750" indent="-285750">
+              <a:buFont typeface="Arial" panose="020B0604020202020204" pitchFamily="34" charset="0"/>
+              <a:buChar char="•"/>
+            </a:pPr>
+            <a:r>
+              <a:rPr lang="es-CL" dirty="0"/>
+              <a:t>Sin embargo, la base de datos GEOROC, a pesar de tener gran cantidad de información, para realizar un estudio sobre el comportamiento de ciertos elementos, en minerales y rocas, en muchos casos,  no se tienen datos de todos los elementos, restando certeza en el análisis y no permitiendo una correcta correlación de todas las muestras</a:t>
+            </a:r>
+          </a:p>
+        </p:txBody>
+      </p:sp>
+    </p:spTree>
+    <p:extLst>
+      <p:ext uri="{BB962C8B-B14F-4D97-AF65-F5344CB8AC3E}">
+        <p14:creationId xmlns:p14="http://schemas.microsoft.com/office/powerpoint/2010/main" val="2543079327"/>
+      </p:ext>
+    </p:extLst>
+  </p:cSld>
+  <p:clrMapOvr>
+    <a:masterClrMapping/>
+  </p:clrMapOvr>
+</p:sld>
+</file>
+
+<file path=ppt/slides/slide3.xml><?xml version="1.0" encoding="utf-8"?>
+<p:sld xmlns:a="http://schemas.openxmlformats.org/drawingml/2006/main" xmlns:r="http://schemas.openxmlformats.org/officeDocument/2006/relationships" xmlns:p="http://schemas.openxmlformats.org/presentationml/2006/main">
+  <p:cSld>
+    <p:bg>
+      <p:bgPr>
+        <a:solidFill>
+          <a:srgbClr val="FFC000"/>
+        </a:solidFill>
+        <a:effectLst/>
+      </p:bgPr>
+    </p:bg>
+    <p:spTree>
+      <p:nvGrpSpPr>
+        <p:cNvPr id="1" name=""/>
+        <p:cNvGrpSpPr/>
+        <p:nvPr/>
+      </p:nvGrpSpPr>
+      <p:grpSpPr>
+        <a:xfrm>
+          <a:off x="0" y="0"/>
+          <a:ext cx="0" cy="0"/>
+          <a:chOff x="0" y="0"/>
+          <a:chExt cx="0" cy="0"/>
+        </a:xfrm>
+      </p:grpSpPr>
+      <p:sp>
+        <p:nvSpPr>
+          <p:cNvPr id="4" name="Título 1">
+            <a:extLst>
+              <a:ext uri="{FF2B5EF4-FFF2-40B4-BE49-F238E27FC236}">
+                <a16:creationId xmlns:a16="http://schemas.microsoft.com/office/drawing/2014/main" id="{3B91DE8D-B9D0-42AA-A537-955612B6F61F}"/>
+              </a:ext>
+            </a:extLst>
+          </p:cNvPr>
+          <p:cNvSpPr txBox="1">
+            <a:spLocks/>
+          </p:cNvSpPr>
+          <p:nvPr/>
+        </p:nvSpPr>
+        <p:spPr>
+          <a:xfrm>
+            <a:off x="219075" y="752475"/>
+            <a:ext cx="3905250" cy="922867"/>
+          </a:xfrm>
+          <a:prstGeom prst="rect">
+            <a:avLst/>
+          </a:prstGeom>
+        </p:spPr>
+        <p:txBody>
+          <a:bodyPr/>
+          <a:lstStyle>
+            <a:lvl1pPr algn="l" defTabSz="914400" rtl="0" eaLnBrk="1" latinLnBrk="0" hangingPunct="1">
+              <a:lnSpc>
+                <a:spcPct val="100000"/>
+              </a:lnSpc>
+              <a:spcBef>
+                <a:spcPct val="0"/>
+              </a:spcBef>
+              <a:buNone/>
+              <a:defRPr sz="4400" kern="1200">
+                <a:solidFill>
+                  <a:schemeClr val="tx1"/>
+                </a:solidFill>
+                <a:latin typeface="+mj-lt"/>
+                <a:ea typeface="+mj-ea"/>
+                <a:cs typeface="+mj-cs"/>
+              </a:defRPr>
+            </a:lvl1pPr>
+          </a:lstStyle>
+          <a:p>
+            <a:pPr algn="ctr"/>
+            <a:r>
+              <a:rPr lang="es-CL" dirty="0"/>
+              <a:t>Micas</a:t>
+            </a:r>
+          </a:p>
+        </p:txBody>
+      </p:sp>
+      <p:sp>
+        <p:nvSpPr>
+          <p:cNvPr id="5" name="CuadroTexto 4">
+            <a:extLst>
+              <a:ext uri="{FF2B5EF4-FFF2-40B4-BE49-F238E27FC236}">
+                <a16:creationId xmlns:a16="http://schemas.microsoft.com/office/drawing/2014/main" id="{3D943DE6-81AD-4A50-8A38-3F5CDDA2BA3F}"/>
+              </a:ext>
+            </a:extLst>
+          </p:cNvPr>
+          <p:cNvSpPr txBox="1"/>
+          <p:nvPr/>
+        </p:nvSpPr>
+        <p:spPr>
+          <a:xfrm>
+            <a:off x="337896" y="2633531"/>
             <a:ext cx="3564467" cy="1200329"/>
           </a:xfrm>
           <a:prstGeom prst="rect">
@@ -6291,10 +9006,854 @@
           <a:chExt cx="0" cy="0"/>
         </a:xfrm>
       </p:grpSpPr>
+      <p:sp>
+        <p:nvSpPr>
+          <p:cNvPr id="2" name="Título 1">
+            <a:extLst>
+              <a:ext uri="{FF2B5EF4-FFF2-40B4-BE49-F238E27FC236}">
+                <a16:creationId xmlns:a16="http://schemas.microsoft.com/office/drawing/2014/main" id="{033AB4AB-DBC1-4A4E-A84C-50ABD54E8EF8}"/>
+              </a:ext>
+            </a:extLst>
+          </p:cNvPr>
+          <p:cNvSpPr txBox="1">
+            <a:spLocks/>
+          </p:cNvSpPr>
+          <p:nvPr/>
+        </p:nvSpPr>
+        <p:spPr>
+          <a:xfrm>
+            <a:off x="0" y="0"/>
+            <a:ext cx="12192000" cy="922867"/>
+          </a:xfrm>
+          <a:prstGeom prst="rect">
+            <a:avLst/>
+          </a:prstGeom>
+        </p:spPr>
+        <p:txBody>
+          <a:bodyPr/>
+          <a:lstStyle>
+            <a:lvl1pPr algn="l" defTabSz="914400" rtl="0" eaLnBrk="1" latinLnBrk="0" hangingPunct="1">
+              <a:lnSpc>
+                <a:spcPct val="100000"/>
+              </a:lnSpc>
+              <a:spcBef>
+                <a:spcPct val="0"/>
+              </a:spcBef>
+              <a:buNone/>
+              <a:defRPr sz="4400" kern="1200">
+                <a:solidFill>
+                  <a:schemeClr val="tx1"/>
+                </a:solidFill>
+                <a:latin typeface="+mj-lt"/>
+                <a:ea typeface="+mj-ea"/>
+                <a:cs typeface="+mj-cs"/>
+              </a:defRPr>
+            </a:lvl1pPr>
+          </a:lstStyle>
+          <a:p>
+            <a:r>
+              <a:rPr lang="es-CL" dirty="0"/>
+              <a:t>	Micas en Chile</a:t>
+            </a:r>
+          </a:p>
+        </p:txBody>
+      </p:sp>
+      <p:pic>
+        <p:nvPicPr>
+          <p:cNvPr id="4" name="Imagen 3" descr="Diagrama&#10;&#10;Descripción generada automáticamente">
+            <a:extLst>
+              <a:ext uri="{FF2B5EF4-FFF2-40B4-BE49-F238E27FC236}">
+                <a16:creationId xmlns:a16="http://schemas.microsoft.com/office/drawing/2014/main" id="{8C38E05E-1AEC-47F9-A8B4-72F7EA63C9A5}"/>
+              </a:ext>
+            </a:extLst>
+          </p:cNvPr>
+          <p:cNvPicPr>
+            <a:picLocks noChangeAspect="1"/>
+          </p:cNvPicPr>
+          <p:nvPr/>
+        </p:nvPicPr>
+        <p:blipFill>
+          <a:blip r:embed="rId2">
+            <a:extLst>
+              <a:ext uri="{28A0092B-C50C-407E-A947-70E740481C1C}">
+                <a14:useLocalDpi xmlns:a14="http://schemas.microsoft.com/office/drawing/2010/main" val="0"/>
+              </a:ext>
+            </a:extLst>
+          </a:blip>
+          <a:stretch>
+            <a:fillRect/>
+          </a:stretch>
+        </p:blipFill>
+        <p:spPr>
+          <a:xfrm>
+            <a:off x="0" y="1200726"/>
+            <a:ext cx="6067137" cy="4853709"/>
+          </a:xfrm>
+          <a:prstGeom prst="rect">
+            <a:avLst/>
+          </a:prstGeom>
+        </p:spPr>
+      </p:pic>
+      <p:sp>
+        <p:nvSpPr>
+          <p:cNvPr id="3" name="Elipse 2">
+            <a:extLst>
+              <a:ext uri="{FF2B5EF4-FFF2-40B4-BE49-F238E27FC236}">
+                <a16:creationId xmlns:a16="http://schemas.microsoft.com/office/drawing/2014/main" id="{AD21EB46-F54E-43C4-A25A-1B729008F136}"/>
+              </a:ext>
+            </a:extLst>
+          </p:cNvPr>
+          <p:cNvSpPr/>
+          <p:nvPr/>
+        </p:nvSpPr>
+        <p:spPr>
+          <a:xfrm>
+            <a:off x="4302034" y="2603863"/>
+            <a:ext cx="888275" cy="714102"/>
+          </a:xfrm>
+          <a:prstGeom prst="ellipse">
+            <a:avLst/>
+          </a:prstGeom>
+          <a:noFill/>
+          <a:ln w="28575">
+            <a:solidFill>
+              <a:srgbClr val="FF0000"/>
+            </a:solidFill>
+          </a:ln>
+        </p:spPr>
+        <p:style>
+          <a:lnRef idx="2">
+            <a:schemeClr val="accent1">
+              <a:shade val="50000"/>
+            </a:schemeClr>
+          </a:lnRef>
+          <a:fillRef idx="1">
+            <a:schemeClr val="accent1"/>
+          </a:fillRef>
+          <a:effectRef idx="0">
+            <a:schemeClr val="accent1"/>
+          </a:effectRef>
+          <a:fontRef idx="minor">
+            <a:schemeClr val="lt1"/>
+          </a:fontRef>
+        </p:style>
+        <p:txBody>
+          <a:bodyPr rtlCol="0" anchor="ctr"/>
+          <a:lstStyle/>
+          <a:p>
+            <a:pPr algn="ctr"/>
+            <a:endParaRPr lang="es-CL"/>
+          </a:p>
+        </p:txBody>
+      </p:sp>
+      <p:sp>
+        <p:nvSpPr>
+          <p:cNvPr id="7" name="Elipse 6">
+            <a:extLst>
+              <a:ext uri="{FF2B5EF4-FFF2-40B4-BE49-F238E27FC236}">
+                <a16:creationId xmlns:a16="http://schemas.microsoft.com/office/drawing/2014/main" id="{80855840-FFF0-484D-81AC-43DCAD5A1545}"/>
+              </a:ext>
+            </a:extLst>
+          </p:cNvPr>
+          <p:cNvSpPr/>
+          <p:nvPr/>
+        </p:nvSpPr>
+        <p:spPr>
+          <a:xfrm>
+            <a:off x="3672839" y="3540036"/>
+            <a:ext cx="1258389" cy="1093522"/>
+          </a:xfrm>
+          <a:prstGeom prst="ellipse">
+            <a:avLst/>
+          </a:prstGeom>
+          <a:noFill/>
+          <a:ln w="28575">
+            <a:solidFill>
+              <a:srgbClr val="FF0000"/>
+            </a:solidFill>
+          </a:ln>
+        </p:spPr>
+        <p:style>
+          <a:lnRef idx="2">
+            <a:schemeClr val="accent1">
+              <a:shade val="50000"/>
+            </a:schemeClr>
+          </a:lnRef>
+          <a:fillRef idx="1">
+            <a:schemeClr val="accent1"/>
+          </a:fillRef>
+          <a:effectRef idx="0">
+            <a:schemeClr val="accent1"/>
+          </a:effectRef>
+          <a:fontRef idx="minor">
+            <a:schemeClr val="lt1"/>
+          </a:fontRef>
+        </p:style>
+        <p:txBody>
+          <a:bodyPr rtlCol="0" anchor="ctr"/>
+          <a:lstStyle/>
+          <a:p>
+            <a:pPr algn="ctr"/>
+            <a:endParaRPr lang="es-CL"/>
+          </a:p>
+        </p:txBody>
+      </p:sp>
+      <p:sp>
+        <p:nvSpPr>
+          <p:cNvPr id="8" name="Elipse 7">
+            <a:extLst>
+              <a:ext uri="{FF2B5EF4-FFF2-40B4-BE49-F238E27FC236}">
+                <a16:creationId xmlns:a16="http://schemas.microsoft.com/office/drawing/2014/main" id="{48E68D63-9C7E-4503-8074-B28BF8143B93}"/>
+              </a:ext>
+            </a:extLst>
+          </p:cNvPr>
+          <p:cNvSpPr/>
+          <p:nvPr/>
+        </p:nvSpPr>
+        <p:spPr>
+          <a:xfrm rot="3685300">
+            <a:off x="1717109" y="1821096"/>
+            <a:ext cx="1481222" cy="1145177"/>
+          </a:xfrm>
+          <a:prstGeom prst="ellipse">
+            <a:avLst/>
+          </a:prstGeom>
+          <a:noFill/>
+          <a:ln w="28575">
+            <a:solidFill>
+              <a:srgbClr val="FF0000"/>
+            </a:solidFill>
+          </a:ln>
+        </p:spPr>
+        <p:style>
+          <a:lnRef idx="2">
+            <a:schemeClr val="accent1">
+              <a:shade val="50000"/>
+            </a:schemeClr>
+          </a:lnRef>
+          <a:fillRef idx="1">
+            <a:schemeClr val="accent1"/>
+          </a:fillRef>
+          <a:effectRef idx="0">
+            <a:schemeClr val="accent1"/>
+          </a:effectRef>
+          <a:fontRef idx="minor">
+            <a:schemeClr val="lt1"/>
+          </a:fontRef>
+        </p:style>
+        <p:txBody>
+          <a:bodyPr rtlCol="0" anchor="ctr"/>
+          <a:lstStyle/>
+          <a:p>
+            <a:pPr algn="ctr"/>
+            <a:endParaRPr lang="es-CL"/>
+          </a:p>
+        </p:txBody>
+      </p:sp>
+      <p:grpSp>
+        <p:nvGrpSpPr>
+          <p:cNvPr id="45" name="Grupo 44">
+            <a:extLst>
+              <a:ext uri="{FF2B5EF4-FFF2-40B4-BE49-F238E27FC236}">
+                <a16:creationId xmlns:a16="http://schemas.microsoft.com/office/drawing/2014/main" id="{16279E48-FA42-4EA7-8A68-A78811E0D8E9}"/>
+              </a:ext>
+            </a:extLst>
+          </p:cNvPr>
+          <p:cNvGrpSpPr/>
+          <p:nvPr/>
+        </p:nvGrpSpPr>
+        <p:grpSpPr>
+          <a:xfrm>
+            <a:off x="5777539" y="922867"/>
+            <a:ext cx="6414461" cy="5131568"/>
+            <a:chOff x="5777539" y="922867"/>
+            <a:chExt cx="6414461" cy="5131568"/>
+          </a:xfrm>
+        </p:grpSpPr>
+        <p:pic>
+          <p:nvPicPr>
+            <p:cNvPr id="6" name="Imagen 5" descr="Gráfico, Gráfico de dispersión&#10;&#10;Descripción generada automáticamente">
+              <a:extLst>
+                <a:ext uri="{FF2B5EF4-FFF2-40B4-BE49-F238E27FC236}">
+                  <a16:creationId xmlns:a16="http://schemas.microsoft.com/office/drawing/2014/main" id="{A50C24D1-C0EE-4744-98E6-75310604918B}"/>
+                </a:ext>
+              </a:extLst>
+            </p:cNvPr>
+            <p:cNvPicPr>
+              <a:picLocks noChangeAspect="1"/>
+            </p:cNvPicPr>
+            <p:nvPr/>
+          </p:nvPicPr>
+          <p:blipFill>
+            <a:blip r:embed="rId3">
+              <a:extLst>
+                <a:ext uri="{28A0092B-C50C-407E-A947-70E740481C1C}">
+                  <a14:useLocalDpi xmlns:a14="http://schemas.microsoft.com/office/drawing/2010/main" val="0"/>
+                </a:ext>
+              </a:extLst>
+            </a:blip>
+            <a:stretch>
+              <a:fillRect/>
+            </a:stretch>
+          </p:blipFill>
+          <p:spPr>
+            <a:xfrm>
+              <a:off x="5777539" y="922867"/>
+              <a:ext cx="6414461" cy="5131568"/>
+            </a:xfrm>
+            <a:prstGeom prst="rect">
+              <a:avLst/>
+            </a:prstGeom>
+          </p:spPr>
+        </p:pic>
+        <p:cxnSp>
+          <p:nvCxnSpPr>
+            <p:cNvPr id="9" name="Conector recto 8">
+              <a:extLst>
+                <a:ext uri="{FF2B5EF4-FFF2-40B4-BE49-F238E27FC236}">
+                  <a16:creationId xmlns:a16="http://schemas.microsoft.com/office/drawing/2014/main" id="{EB36EA59-9482-49DA-9B21-780721B91888}"/>
+                </a:ext>
+              </a:extLst>
+            </p:cNvPr>
+            <p:cNvCxnSpPr>
+              <a:cxnSpLocks/>
+            </p:cNvCxnSpPr>
+            <p:nvPr/>
+          </p:nvCxnSpPr>
+          <p:spPr>
+            <a:xfrm>
+              <a:off x="10363201" y="1264678"/>
+              <a:ext cx="0" cy="3995299"/>
+            </a:xfrm>
+            <a:prstGeom prst="line">
+              <a:avLst/>
+            </a:prstGeom>
+            <a:ln w="19050">
+              <a:solidFill>
+                <a:srgbClr val="FF0000"/>
+              </a:solidFill>
+            </a:ln>
+          </p:spPr>
+          <p:style>
+            <a:lnRef idx="1">
+              <a:schemeClr val="accent1"/>
+            </a:lnRef>
+            <a:fillRef idx="0">
+              <a:schemeClr val="accent1"/>
+            </a:fillRef>
+            <a:effectRef idx="0">
+              <a:schemeClr val="accent1"/>
+            </a:effectRef>
+            <a:fontRef idx="minor">
+              <a:schemeClr val="tx1"/>
+            </a:fontRef>
+          </p:style>
+        </p:cxnSp>
+        <p:cxnSp>
+          <p:nvCxnSpPr>
+            <p:cNvPr id="14" name="Conector recto 13">
+              <a:extLst>
+                <a:ext uri="{FF2B5EF4-FFF2-40B4-BE49-F238E27FC236}">
+                  <a16:creationId xmlns:a16="http://schemas.microsoft.com/office/drawing/2014/main" id="{C7358CE4-5CD5-411A-B6AE-337F6B51600A}"/>
+                </a:ext>
+              </a:extLst>
+            </p:cNvPr>
+            <p:cNvCxnSpPr>
+              <a:cxnSpLocks/>
+            </p:cNvCxnSpPr>
+            <p:nvPr/>
+          </p:nvCxnSpPr>
+          <p:spPr>
+            <a:xfrm flipH="1">
+              <a:off x="9527177" y="4422897"/>
+              <a:ext cx="836024" cy="0"/>
+            </a:xfrm>
+            <a:prstGeom prst="line">
+              <a:avLst/>
+            </a:prstGeom>
+            <a:ln w="19050">
+              <a:solidFill>
+                <a:srgbClr val="FF0000"/>
+              </a:solidFill>
+            </a:ln>
+          </p:spPr>
+          <p:style>
+            <a:lnRef idx="1">
+              <a:schemeClr val="accent1"/>
+            </a:lnRef>
+            <a:fillRef idx="0">
+              <a:schemeClr val="accent1"/>
+            </a:fillRef>
+            <a:effectRef idx="0">
+              <a:schemeClr val="accent1"/>
+            </a:effectRef>
+            <a:fontRef idx="minor">
+              <a:schemeClr val="tx1"/>
+            </a:fontRef>
+          </p:style>
+        </p:cxnSp>
+        <p:cxnSp>
+          <p:nvCxnSpPr>
+            <p:cNvPr id="19" name="Conector recto 18">
+              <a:extLst>
+                <a:ext uri="{FF2B5EF4-FFF2-40B4-BE49-F238E27FC236}">
+                  <a16:creationId xmlns:a16="http://schemas.microsoft.com/office/drawing/2014/main" id="{D7E67D85-105C-4E59-BF50-BD338F7D1A86}"/>
+                </a:ext>
+              </a:extLst>
+            </p:cNvPr>
+            <p:cNvCxnSpPr>
+              <a:cxnSpLocks/>
+            </p:cNvCxnSpPr>
+            <p:nvPr/>
+          </p:nvCxnSpPr>
+          <p:spPr>
+            <a:xfrm flipH="1">
+              <a:off x="9413966" y="4322749"/>
+              <a:ext cx="949235" cy="0"/>
+            </a:xfrm>
+            <a:prstGeom prst="line">
+              <a:avLst/>
+            </a:prstGeom>
+            <a:ln w="19050">
+              <a:solidFill>
+                <a:srgbClr val="FF0000"/>
+              </a:solidFill>
+            </a:ln>
+          </p:spPr>
+          <p:style>
+            <a:lnRef idx="1">
+              <a:schemeClr val="accent1"/>
+            </a:lnRef>
+            <a:fillRef idx="0">
+              <a:schemeClr val="accent1"/>
+            </a:fillRef>
+            <a:effectRef idx="0">
+              <a:schemeClr val="accent1"/>
+            </a:effectRef>
+            <a:fontRef idx="minor">
+              <a:schemeClr val="tx1"/>
+            </a:fontRef>
+          </p:style>
+        </p:cxnSp>
+        <p:cxnSp>
+          <p:nvCxnSpPr>
+            <p:cNvPr id="21" name="Conector recto 20">
+              <a:extLst>
+                <a:ext uri="{FF2B5EF4-FFF2-40B4-BE49-F238E27FC236}">
+                  <a16:creationId xmlns:a16="http://schemas.microsoft.com/office/drawing/2014/main" id="{FED8001B-1F14-47F0-981C-610BD914C1B9}"/>
+                </a:ext>
+              </a:extLst>
+            </p:cNvPr>
+            <p:cNvCxnSpPr>
+              <a:cxnSpLocks/>
+            </p:cNvCxnSpPr>
+            <p:nvPr/>
+          </p:nvCxnSpPr>
+          <p:spPr>
+            <a:xfrm flipH="1">
+              <a:off x="8251372" y="3160155"/>
+              <a:ext cx="2111829" cy="0"/>
+            </a:xfrm>
+            <a:prstGeom prst="line">
+              <a:avLst/>
+            </a:prstGeom>
+            <a:ln w="19050">
+              <a:solidFill>
+                <a:srgbClr val="FF0000"/>
+              </a:solidFill>
+            </a:ln>
+          </p:spPr>
+          <p:style>
+            <a:lnRef idx="1">
+              <a:schemeClr val="accent1"/>
+            </a:lnRef>
+            <a:fillRef idx="0">
+              <a:schemeClr val="accent1"/>
+            </a:fillRef>
+            <a:effectRef idx="0">
+              <a:schemeClr val="accent1"/>
+            </a:effectRef>
+            <a:fontRef idx="minor">
+              <a:schemeClr val="tx1"/>
+            </a:fontRef>
+          </p:style>
+        </p:cxnSp>
+        <p:cxnSp>
+          <p:nvCxnSpPr>
+            <p:cNvPr id="23" name="Conector recto 22">
+              <a:extLst>
+                <a:ext uri="{FF2B5EF4-FFF2-40B4-BE49-F238E27FC236}">
+                  <a16:creationId xmlns:a16="http://schemas.microsoft.com/office/drawing/2014/main" id="{5B34B920-B060-447A-8E2F-30B24152E9E0}"/>
+                </a:ext>
+              </a:extLst>
+            </p:cNvPr>
+            <p:cNvCxnSpPr>
+              <a:cxnSpLocks/>
+            </p:cNvCxnSpPr>
+            <p:nvPr/>
+          </p:nvCxnSpPr>
+          <p:spPr>
+            <a:xfrm>
+              <a:off x="10993975" y="1264678"/>
+              <a:ext cx="0" cy="4665859"/>
+            </a:xfrm>
+            <a:prstGeom prst="line">
+              <a:avLst/>
+            </a:prstGeom>
+            <a:ln w="19050">
+              <a:solidFill>
+                <a:srgbClr val="00B050"/>
+              </a:solidFill>
+            </a:ln>
+          </p:spPr>
+          <p:style>
+            <a:lnRef idx="1">
+              <a:schemeClr val="accent1"/>
+            </a:lnRef>
+            <a:fillRef idx="0">
+              <a:schemeClr val="accent1"/>
+            </a:fillRef>
+            <a:effectRef idx="0">
+              <a:schemeClr val="accent1"/>
+            </a:effectRef>
+            <a:fontRef idx="minor">
+              <a:schemeClr val="tx1"/>
+            </a:fontRef>
+          </p:style>
+        </p:cxnSp>
+        <p:cxnSp>
+          <p:nvCxnSpPr>
+            <p:cNvPr id="30" name="Conector recto 29">
+              <a:extLst>
+                <a:ext uri="{FF2B5EF4-FFF2-40B4-BE49-F238E27FC236}">
+                  <a16:creationId xmlns:a16="http://schemas.microsoft.com/office/drawing/2014/main" id="{03A1DB2D-8667-4001-B3F5-D34FBE98D9DD}"/>
+                </a:ext>
+              </a:extLst>
+            </p:cNvPr>
+            <p:cNvCxnSpPr>
+              <a:cxnSpLocks/>
+            </p:cNvCxnSpPr>
+            <p:nvPr/>
+          </p:nvCxnSpPr>
+          <p:spPr>
+            <a:xfrm flipH="1">
+              <a:off x="7010400" y="1889759"/>
+              <a:ext cx="3983575" cy="0"/>
+            </a:xfrm>
+            <a:prstGeom prst="line">
+              <a:avLst/>
+            </a:prstGeom>
+            <a:ln w="19050">
+              <a:solidFill>
+                <a:srgbClr val="00B050"/>
+              </a:solidFill>
+            </a:ln>
+          </p:spPr>
+          <p:style>
+            <a:lnRef idx="1">
+              <a:schemeClr val="accent1"/>
+            </a:lnRef>
+            <a:fillRef idx="0">
+              <a:schemeClr val="accent1"/>
+            </a:fillRef>
+            <a:effectRef idx="0">
+              <a:schemeClr val="accent1"/>
+            </a:effectRef>
+            <a:fontRef idx="minor">
+              <a:schemeClr val="tx1"/>
+            </a:fontRef>
+          </p:style>
+        </p:cxnSp>
+        <p:cxnSp>
+          <p:nvCxnSpPr>
+            <p:cNvPr id="33" name="Conector recto 32">
+              <a:extLst>
+                <a:ext uri="{FF2B5EF4-FFF2-40B4-BE49-F238E27FC236}">
+                  <a16:creationId xmlns:a16="http://schemas.microsoft.com/office/drawing/2014/main" id="{354B315E-2342-4E5D-BCBD-A9D4E37D2745}"/>
+                </a:ext>
+              </a:extLst>
+            </p:cNvPr>
+            <p:cNvCxnSpPr>
+              <a:cxnSpLocks/>
+            </p:cNvCxnSpPr>
+            <p:nvPr/>
+          </p:nvCxnSpPr>
+          <p:spPr>
+            <a:xfrm flipH="1" flipV="1">
+              <a:off x="8051064" y="2943496"/>
+              <a:ext cx="2942911" cy="17418"/>
+            </a:xfrm>
+            <a:prstGeom prst="line">
+              <a:avLst/>
+            </a:prstGeom>
+            <a:ln w="19050">
+              <a:solidFill>
+                <a:srgbClr val="00B050"/>
+              </a:solidFill>
+            </a:ln>
+          </p:spPr>
+          <p:style>
+            <a:lnRef idx="1">
+              <a:schemeClr val="accent1"/>
+            </a:lnRef>
+            <a:fillRef idx="0">
+              <a:schemeClr val="accent1"/>
+            </a:fillRef>
+            <a:effectRef idx="0">
+              <a:schemeClr val="accent1"/>
+            </a:effectRef>
+            <a:fontRef idx="minor">
+              <a:schemeClr val="tx1"/>
+            </a:fontRef>
+          </p:style>
+        </p:cxnSp>
+        <p:cxnSp>
+          <p:nvCxnSpPr>
+            <p:cNvPr id="35" name="Conector recto 34">
+              <a:extLst>
+                <a:ext uri="{FF2B5EF4-FFF2-40B4-BE49-F238E27FC236}">
+                  <a16:creationId xmlns:a16="http://schemas.microsoft.com/office/drawing/2014/main" id="{C4DC97B4-66AF-4696-AFC6-73535493351F}"/>
+                </a:ext>
+              </a:extLst>
+            </p:cNvPr>
+            <p:cNvCxnSpPr>
+              <a:cxnSpLocks/>
+            </p:cNvCxnSpPr>
+            <p:nvPr/>
+          </p:nvCxnSpPr>
+          <p:spPr>
+            <a:xfrm flipH="1">
+              <a:off x="9831674" y="4732580"/>
+              <a:ext cx="1162301" cy="0"/>
+            </a:xfrm>
+            <a:prstGeom prst="line">
+              <a:avLst/>
+            </a:prstGeom>
+            <a:ln w="19050">
+              <a:solidFill>
+                <a:srgbClr val="00B050"/>
+              </a:solidFill>
+            </a:ln>
+          </p:spPr>
+          <p:style>
+            <a:lnRef idx="1">
+              <a:schemeClr val="accent1"/>
+            </a:lnRef>
+            <a:fillRef idx="0">
+              <a:schemeClr val="accent1"/>
+            </a:fillRef>
+            <a:effectRef idx="0">
+              <a:schemeClr val="accent1"/>
+            </a:effectRef>
+            <a:fontRef idx="minor">
+              <a:schemeClr val="tx1"/>
+            </a:fontRef>
+          </p:style>
+        </p:cxnSp>
+        <p:cxnSp>
+          <p:nvCxnSpPr>
+            <p:cNvPr id="37" name="Conector recto 36">
+              <a:extLst>
+                <a:ext uri="{FF2B5EF4-FFF2-40B4-BE49-F238E27FC236}">
+                  <a16:creationId xmlns:a16="http://schemas.microsoft.com/office/drawing/2014/main" id="{D3358FD7-CCB4-4EF8-BA06-7D82F0715006}"/>
+                </a:ext>
+              </a:extLst>
+            </p:cNvPr>
+            <p:cNvCxnSpPr>
+              <a:cxnSpLocks/>
+            </p:cNvCxnSpPr>
+            <p:nvPr/>
+          </p:nvCxnSpPr>
+          <p:spPr>
+            <a:xfrm flipH="1">
+              <a:off x="7089072" y="1993735"/>
+              <a:ext cx="3904903" cy="0"/>
+            </a:xfrm>
+            <a:prstGeom prst="line">
+              <a:avLst/>
+            </a:prstGeom>
+            <a:ln w="19050">
+              <a:solidFill>
+                <a:srgbClr val="00B050"/>
+              </a:solidFill>
+            </a:ln>
+          </p:spPr>
+          <p:style>
+            <a:lnRef idx="1">
+              <a:schemeClr val="accent1"/>
+            </a:lnRef>
+            <a:fillRef idx="0">
+              <a:schemeClr val="accent1"/>
+            </a:fillRef>
+            <a:effectRef idx="0">
+              <a:schemeClr val="accent1"/>
+            </a:effectRef>
+            <a:fontRef idx="minor">
+              <a:schemeClr val="tx1"/>
+            </a:fontRef>
+          </p:style>
+        </p:cxnSp>
+        <p:cxnSp>
+          <p:nvCxnSpPr>
+            <p:cNvPr id="40" name="Conector recto 39">
+              <a:extLst>
+                <a:ext uri="{FF2B5EF4-FFF2-40B4-BE49-F238E27FC236}">
+                  <a16:creationId xmlns:a16="http://schemas.microsoft.com/office/drawing/2014/main" id="{10B71D48-A774-4A95-836F-5732BFADE0C4}"/>
+                </a:ext>
+              </a:extLst>
+            </p:cNvPr>
+            <p:cNvCxnSpPr>
+              <a:cxnSpLocks/>
+            </p:cNvCxnSpPr>
+            <p:nvPr/>
+          </p:nvCxnSpPr>
+          <p:spPr>
+            <a:xfrm>
+              <a:off x="9631083" y="1294650"/>
+              <a:ext cx="0" cy="3233807"/>
+            </a:xfrm>
+            <a:prstGeom prst="line">
+              <a:avLst/>
+            </a:prstGeom>
+            <a:ln w="19050">
+              <a:solidFill>
+                <a:srgbClr val="7030A0"/>
+              </a:solidFill>
+            </a:ln>
+          </p:spPr>
+          <p:style>
+            <a:lnRef idx="1">
+              <a:schemeClr val="accent1"/>
+            </a:lnRef>
+            <a:fillRef idx="0">
+              <a:schemeClr val="accent1"/>
+            </a:fillRef>
+            <a:effectRef idx="0">
+              <a:schemeClr val="accent1"/>
+            </a:effectRef>
+            <a:fontRef idx="minor">
+              <a:schemeClr val="tx1"/>
+            </a:fontRef>
+          </p:style>
+        </p:cxnSp>
+        <p:cxnSp>
+          <p:nvCxnSpPr>
+            <p:cNvPr id="42" name="Conector recto 41">
+              <a:extLst>
+                <a:ext uri="{FF2B5EF4-FFF2-40B4-BE49-F238E27FC236}">
+                  <a16:creationId xmlns:a16="http://schemas.microsoft.com/office/drawing/2014/main" id="{E4ADEE67-21DC-4629-9154-2263D88AB0F2}"/>
+                </a:ext>
+              </a:extLst>
+            </p:cNvPr>
+            <p:cNvCxnSpPr>
+              <a:cxnSpLocks/>
+            </p:cNvCxnSpPr>
+            <p:nvPr/>
+          </p:nvCxnSpPr>
+          <p:spPr>
+            <a:xfrm>
+              <a:off x="7231871" y="2098013"/>
+              <a:ext cx="2399212" cy="0"/>
+            </a:xfrm>
+            <a:prstGeom prst="line">
+              <a:avLst/>
+            </a:prstGeom>
+            <a:ln w="19050">
+              <a:solidFill>
+                <a:srgbClr val="7030A0"/>
+              </a:solidFill>
+            </a:ln>
+          </p:spPr>
+          <p:style>
+            <a:lnRef idx="1">
+              <a:schemeClr val="accent1"/>
+            </a:lnRef>
+            <a:fillRef idx="0">
+              <a:schemeClr val="accent1"/>
+            </a:fillRef>
+            <a:effectRef idx="0">
+              <a:schemeClr val="accent1"/>
+            </a:effectRef>
+            <a:fontRef idx="minor">
+              <a:schemeClr val="tx1"/>
+            </a:fontRef>
+          </p:style>
+        </p:cxnSp>
+      </p:grpSp>
+      <p:sp>
+        <p:nvSpPr>
+          <p:cNvPr id="46" name="CuadroTexto 45">
+            <a:extLst>
+              <a:ext uri="{FF2B5EF4-FFF2-40B4-BE49-F238E27FC236}">
+                <a16:creationId xmlns:a16="http://schemas.microsoft.com/office/drawing/2014/main" id="{16A066EB-7724-4649-9B22-8724BA63D12B}"/>
+              </a:ext>
+            </a:extLst>
+          </p:cNvPr>
+          <p:cNvSpPr txBox="1"/>
+          <p:nvPr/>
+        </p:nvSpPr>
+        <p:spPr>
+          <a:xfrm>
+            <a:off x="4834276" y="4352368"/>
+            <a:ext cx="807757" cy="369332"/>
+          </a:xfrm>
+          <a:prstGeom prst="rect">
+            <a:avLst/>
+          </a:prstGeom>
+          <a:noFill/>
+        </p:spPr>
+        <p:txBody>
+          <a:bodyPr wrap="square" rtlCol="0">
+            <a:spAutoFit/>
+          </a:bodyPr>
+          <a:lstStyle/>
+          <a:p>
+            <a:r>
+              <a:rPr lang="es-CL" dirty="0"/>
+              <a:t>HREE</a:t>
+            </a:r>
+          </a:p>
+        </p:txBody>
+      </p:sp>
+      <p:sp>
+        <p:nvSpPr>
+          <p:cNvPr id="47" name="CuadroTexto 46">
+            <a:extLst>
+              <a:ext uri="{FF2B5EF4-FFF2-40B4-BE49-F238E27FC236}">
+                <a16:creationId xmlns:a16="http://schemas.microsoft.com/office/drawing/2014/main" id="{E9C6650D-A242-4687-B3F2-A5D434A554A3}"/>
+              </a:ext>
+            </a:extLst>
+          </p:cNvPr>
+          <p:cNvSpPr txBox="1"/>
+          <p:nvPr/>
+        </p:nvSpPr>
+        <p:spPr>
+          <a:xfrm>
+            <a:off x="5190309" y="2650301"/>
+            <a:ext cx="752694" cy="369332"/>
+          </a:xfrm>
+          <a:prstGeom prst="rect">
+            <a:avLst/>
+          </a:prstGeom>
+          <a:noFill/>
+        </p:spPr>
+        <p:txBody>
+          <a:bodyPr wrap="square" rtlCol="0">
+            <a:spAutoFit/>
+          </a:bodyPr>
+          <a:lstStyle/>
+          <a:p>
+            <a:r>
+              <a:rPr lang="es-CL" dirty="0"/>
+              <a:t>LREE</a:t>
+            </a:r>
+          </a:p>
+        </p:txBody>
+      </p:sp>
     </p:spTree>
     <p:extLst>
       <p:ext uri="{BB962C8B-B14F-4D97-AF65-F5344CB8AC3E}">
-        <p14:creationId xmlns:p14="http://schemas.microsoft.com/office/powerpoint/2010/main" val="1807772078"/>
+        <p14:creationId xmlns:p14="http://schemas.microsoft.com/office/powerpoint/2010/main" val="2947076122"/>
       </p:ext>
     </p:extLst>
   </p:cSld>
@@ -6307,6 +9866,14 @@
 <file path=ppt/slides/slide9.xml><?xml version="1.0" encoding="utf-8"?>
 <p:sld xmlns:a="http://schemas.openxmlformats.org/drawingml/2006/main" xmlns:r="http://schemas.openxmlformats.org/officeDocument/2006/relationships" xmlns:p="http://schemas.openxmlformats.org/presentationml/2006/main">
   <p:cSld>
+    <p:bg>
+      <p:bgPr>
+        <a:solidFill>
+          <a:schemeClr val="accent1"/>
+        </a:solidFill>
+        <a:effectLst/>
+      </p:bgPr>
+    </p:bg>
     <p:spTree>
       <p:nvGrpSpPr>
         <p:cNvPr id="1" name=""/>
@@ -6321,10 +9888,705 @@
           <a:chExt cx="0" cy="0"/>
         </a:xfrm>
       </p:grpSpPr>
+      <p:sp>
+        <p:nvSpPr>
+          <p:cNvPr id="2" name="Título 1">
+            <a:extLst>
+              <a:ext uri="{FF2B5EF4-FFF2-40B4-BE49-F238E27FC236}">
+                <a16:creationId xmlns:a16="http://schemas.microsoft.com/office/drawing/2014/main" id="{9DD57C60-3882-4FF0-AAC5-3599BC9B76C6}"/>
+              </a:ext>
+            </a:extLst>
+          </p:cNvPr>
+          <p:cNvSpPr txBox="1">
+            <a:spLocks/>
+          </p:cNvSpPr>
+          <p:nvPr/>
+        </p:nvSpPr>
+        <p:spPr>
+          <a:xfrm>
+            <a:off x="0" y="0"/>
+            <a:ext cx="12192000" cy="922867"/>
+          </a:xfrm>
+          <a:prstGeom prst="rect">
+            <a:avLst/>
+          </a:prstGeom>
+        </p:spPr>
+        <p:txBody>
+          <a:bodyPr/>
+          <a:lstStyle>
+            <a:lvl1pPr algn="l" defTabSz="914400" rtl="0" eaLnBrk="1" latinLnBrk="0" hangingPunct="1">
+              <a:lnSpc>
+                <a:spcPct val="100000"/>
+              </a:lnSpc>
+              <a:spcBef>
+                <a:spcPct val="0"/>
+              </a:spcBef>
+              <a:buNone/>
+              <a:defRPr sz="4400" kern="1200">
+                <a:solidFill>
+                  <a:schemeClr val="tx1"/>
+                </a:solidFill>
+                <a:latin typeface="+mj-lt"/>
+                <a:ea typeface="+mj-ea"/>
+                <a:cs typeface="+mj-cs"/>
+              </a:defRPr>
+            </a:lvl1pPr>
+          </a:lstStyle>
+          <a:p>
+            <a:r>
+              <a:rPr lang="es-CL" dirty="0"/>
+              <a:t>	Micas en Chile</a:t>
+            </a:r>
+          </a:p>
+        </p:txBody>
+      </p:sp>
+      <p:sp>
+        <p:nvSpPr>
+          <p:cNvPr id="3" name="CuadroTexto 2">
+            <a:extLst>
+              <a:ext uri="{FF2B5EF4-FFF2-40B4-BE49-F238E27FC236}">
+                <a16:creationId xmlns:a16="http://schemas.microsoft.com/office/drawing/2014/main" id="{76C4ECE9-6F59-43A2-AAB5-73B64EB85821}"/>
+              </a:ext>
+            </a:extLst>
+          </p:cNvPr>
+          <p:cNvSpPr txBox="1"/>
+          <p:nvPr/>
+        </p:nvSpPr>
+        <p:spPr>
+          <a:xfrm>
+            <a:off x="7149737" y="922867"/>
+            <a:ext cx="4336868" cy="2031325"/>
+          </a:xfrm>
+          <a:prstGeom prst="rect">
+            <a:avLst/>
+          </a:prstGeom>
+          <a:noFill/>
+        </p:spPr>
+        <p:txBody>
+          <a:bodyPr wrap="square" rtlCol="0">
+            <a:spAutoFit/>
+          </a:bodyPr>
+          <a:lstStyle/>
+          <a:p>
+            <a:pPr algn="just"/>
+            <a:r>
+              <a:rPr lang="es-CL" dirty="0"/>
+              <a:t>Se observa una correlación entre las tierras raras livianas (LREE) y pesadas (HREE), sin embargo, el Yb y </a:t>
+            </a:r>
+            <a:r>
+              <a:rPr lang="es-CL" dirty="0" err="1"/>
+              <a:t>Y</a:t>
+            </a:r>
+            <a:r>
+              <a:rPr lang="es-CL" dirty="0"/>
+              <a:t> que son tierras raras pesadas , se encuentran correlacionadas con las tierras raras livianas, en cambio el Eu, que es LREE se encuentra correlacionado con las HREE.</a:t>
+            </a:r>
+          </a:p>
+        </p:txBody>
+      </p:sp>
+      <p:sp>
+        <p:nvSpPr>
+          <p:cNvPr id="16" name="CuadroTexto 15">
+            <a:extLst>
+              <a:ext uri="{FF2B5EF4-FFF2-40B4-BE49-F238E27FC236}">
+                <a16:creationId xmlns:a16="http://schemas.microsoft.com/office/drawing/2014/main" id="{011768B6-EAC2-44BB-8F3F-4476C29A53BB}"/>
+              </a:ext>
+            </a:extLst>
+          </p:cNvPr>
+          <p:cNvSpPr txBox="1"/>
+          <p:nvPr/>
+        </p:nvSpPr>
+        <p:spPr>
+          <a:xfrm>
+            <a:off x="7289074" y="3429000"/>
+            <a:ext cx="4127863" cy="1477328"/>
+          </a:xfrm>
+          <a:prstGeom prst="rect">
+            <a:avLst/>
+          </a:prstGeom>
+          <a:noFill/>
+        </p:spPr>
+        <p:txBody>
+          <a:bodyPr wrap="square" rtlCol="0">
+            <a:spAutoFit/>
+          </a:bodyPr>
+          <a:lstStyle/>
+          <a:p>
+            <a:r>
+              <a:rPr lang="es-CL" dirty="0" err="1"/>
+              <a:t>Obersvando</a:t>
+            </a:r>
+            <a:r>
+              <a:rPr lang="es-CL" dirty="0"/>
+              <a:t> estas excepciones se encuentran las siguientes relaciones:</a:t>
+            </a:r>
+          </a:p>
+          <a:p>
+            <a:pPr marL="285750" indent="-285750">
+              <a:buFont typeface="Arial" panose="020B0604020202020204" pitchFamily="34" charset="0"/>
+              <a:buChar char="•"/>
+            </a:pPr>
+            <a:r>
+              <a:rPr lang="es-CL" dirty="0"/>
+              <a:t>Yb -&gt; La, Ce, Pb, Sm</a:t>
+            </a:r>
+          </a:p>
+          <a:p>
+            <a:pPr marL="285750" indent="-285750">
+              <a:buFont typeface="Arial" panose="020B0604020202020204" pitchFamily="34" charset="0"/>
+              <a:buChar char="•"/>
+            </a:pPr>
+            <a:r>
+              <a:rPr lang="es-CL" dirty="0"/>
+              <a:t>Y -&gt; Nd</a:t>
+            </a:r>
+          </a:p>
+          <a:p>
+            <a:pPr marL="285750" indent="-285750">
+              <a:buFont typeface="Arial" panose="020B0604020202020204" pitchFamily="34" charset="0"/>
+              <a:buChar char="•"/>
+            </a:pPr>
+            <a:r>
+              <a:rPr lang="es-CL" dirty="0"/>
+              <a:t>Eu -&gt; Co, Ga, Gd</a:t>
+            </a:r>
+          </a:p>
+        </p:txBody>
+      </p:sp>
+      <p:grpSp>
+        <p:nvGrpSpPr>
+          <p:cNvPr id="18" name="Grupo 17">
+            <a:extLst>
+              <a:ext uri="{FF2B5EF4-FFF2-40B4-BE49-F238E27FC236}">
+                <a16:creationId xmlns:a16="http://schemas.microsoft.com/office/drawing/2014/main" id="{249A4251-45EC-4602-AA20-753A8237BC59}"/>
+              </a:ext>
+            </a:extLst>
+          </p:cNvPr>
+          <p:cNvGrpSpPr/>
+          <p:nvPr/>
+        </p:nvGrpSpPr>
+        <p:grpSpPr>
+          <a:xfrm>
+            <a:off x="0" y="748696"/>
+            <a:ext cx="6414461" cy="5131568"/>
+            <a:chOff x="5777539" y="922867"/>
+            <a:chExt cx="6414461" cy="5131568"/>
+          </a:xfrm>
+        </p:grpSpPr>
+        <p:pic>
+          <p:nvPicPr>
+            <p:cNvPr id="19" name="Imagen 18" descr="Gráfico, Gráfico de dispersión&#10;&#10;Descripción generada automáticamente">
+              <a:extLst>
+                <a:ext uri="{FF2B5EF4-FFF2-40B4-BE49-F238E27FC236}">
+                  <a16:creationId xmlns:a16="http://schemas.microsoft.com/office/drawing/2014/main" id="{4A209478-C8ED-4447-B487-E7A838CC71D5}"/>
+                </a:ext>
+              </a:extLst>
+            </p:cNvPr>
+            <p:cNvPicPr>
+              <a:picLocks noChangeAspect="1"/>
+            </p:cNvPicPr>
+            <p:nvPr/>
+          </p:nvPicPr>
+          <p:blipFill>
+            <a:blip r:embed="rId2">
+              <a:extLst>
+                <a:ext uri="{28A0092B-C50C-407E-A947-70E740481C1C}">
+                  <a14:useLocalDpi xmlns:a14="http://schemas.microsoft.com/office/drawing/2010/main" val="0"/>
+                </a:ext>
+              </a:extLst>
+            </a:blip>
+            <a:stretch>
+              <a:fillRect/>
+            </a:stretch>
+          </p:blipFill>
+          <p:spPr>
+            <a:xfrm>
+              <a:off x="5777539" y="922867"/>
+              <a:ext cx="6414461" cy="5131568"/>
+            </a:xfrm>
+            <a:prstGeom prst="rect">
+              <a:avLst/>
+            </a:prstGeom>
+          </p:spPr>
+        </p:pic>
+        <p:cxnSp>
+          <p:nvCxnSpPr>
+            <p:cNvPr id="20" name="Conector recto 19">
+              <a:extLst>
+                <a:ext uri="{FF2B5EF4-FFF2-40B4-BE49-F238E27FC236}">
+                  <a16:creationId xmlns:a16="http://schemas.microsoft.com/office/drawing/2014/main" id="{F1D65390-64DC-4FFD-8625-29C5D500D170}"/>
+                </a:ext>
+              </a:extLst>
+            </p:cNvPr>
+            <p:cNvCxnSpPr>
+              <a:cxnSpLocks/>
+            </p:cNvCxnSpPr>
+            <p:nvPr/>
+          </p:nvCxnSpPr>
+          <p:spPr>
+            <a:xfrm>
+              <a:off x="10363201" y="1264678"/>
+              <a:ext cx="0" cy="3995299"/>
+            </a:xfrm>
+            <a:prstGeom prst="line">
+              <a:avLst/>
+            </a:prstGeom>
+            <a:ln w="19050">
+              <a:solidFill>
+                <a:srgbClr val="FF0000"/>
+              </a:solidFill>
+            </a:ln>
+          </p:spPr>
+          <p:style>
+            <a:lnRef idx="1">
+              <a:schemeClr val="accent1"/>
+            </a:lnRef>
+            <a:fillRef idx="0">
+              <a:schemeClr val="accent1"/>
+            </a:fillRef>
+            <a:effectRef idx="0">
+              <a:schemeClr val="accent1"/>
+            </a:effectRef>
+            <a:fontRef idx="minor">
+              <a:schemeClr val="tx1"/>
+            </a:fontRef>
+          </p:style>
+        </p:cxnSp>
+        <p:cxnSp>
+          <p:nvCxnSpPr>
+            <p:cNvPr id="21" name="Conector recto 20">
+              <a:extLst>
+                <a:ext uri="{FF2B5EF4-FFF2-40B4-BE49-F238E27FC236}">
+                  <a16:creationId xmlns:a16="http://schemas.microsoft.com/office/drawing/2014/main" id="{ECEBC8C6-174B-4127-BBA9-FF3FF50CF201}"/>
+                </a:ext>
+              </a:extLst>
+            </p:cNvPr>
+            <p:cNvCxnSpPr>
+              <a:cxnSpLocks/>
+            </p:cNvCxnSpPr>
+            <p:nvPr/>
+          </p:nvCxnSpPr>
+          <p:spPr>
+            <a:xfrm flipH="1">
+              <a:off x="9527177" y="4422897"/>
+              <a:ext cx="836024" cy="0"/>
+            </a:xfrm>
+            <a:prstGeom prst="line">
+              <a:avLst/>
+            </a:prstGeom>
+            <a:ln w="19050">
+              <a:solidFill>
+                <a:srgbClr val="FF0000"/>
+              </a:solidFill>
+            </a:ln>
+          </p:spPr>
+          <p:style>
+            <a:lnRef idx="1">
+              <a:schemeClr val="accent1"/>
+            </a:lnRef>
+            <a:fillRef idx="0">
+              <a:schemeClr val="accent1"/>
+            </a:fillRef>
+            <a:effectRef idx="0">
+              <a:schemeClr val="accent1"/>
+            </a:effectRef>
+            <a:fontRef idx="minor">
+              <a:schemeClr val="tx1"/>
+            </a:fontRef>
+          </p:style>
+        </p:cxnSp>
+        <p:cxnSp>
+          <p:nvCxnSpPr>
+            <p:cNvPr id="22" name="Conector recto 21">
+              <a:extLst>
+                <a:ext uri="{FF2B5EF4-FFF2-40B4-BE49-F238E27FC236}">
+                  <a16:creationId xmlns:a16="http://schemas.microsoft.com/office/drawing/2014/main" id="{4919B851-74E0-4358-871D-542BE5FCDDCF}"/>
+                </a:ext>
+              </a:extLst>
+            </p:cNvPr>
+            <p:cNvCxnSpPr>
+              <a:cxnSpLocks/>
+            </p:cNvCxnSpPr>
+            <p:nvPr/>
+          </p:nvCxnSpPr>
+          <p:spPr>
+            <a:xfrm flipH="1">
+              <a:off x="9413966" y="4322749"/>
+              <a:ext cx="949235" cy="0"/>
+            </a:xfrm>
+            <a:prstGeom prst="line">
+              <a:avLst/>
+            </a:prstGeom>
+            <a:ln w="19050">
+              <a:solidFill>
+                <a:srgbClr val="FF0000"/>
+              </a:solidFill>
+            </a:ln>
+          </p:spPr>
+          <p:style>
+            <a:lnRef idx="1">
+              <a:schemeClr val="accent1"/>
+            </a:lnRef>
+            <a:fillRef idx="0">
+              <a:schemeClr val="accent1"/>
+            </a:fillRef>
+            <a:effectRef idx="0">
+              <a:schemeClr val="accent1"/>
+            </a:effectRef>
+            <a:fontRef idx="minor">
+              <a:schemeClr val="tx1"/>
+            </a:fontRef>
+          </p:style>
+        </p:cxnSp>
+        <p:cxnSp>
+          <p:nvCxnSpPr>
+            <p:cNvPr id="23" name="Conector recto 22">
+              <a:extLst>
+                <a:ext uri="{FF2B5EF4-FFF2-40B4-BE49-F238E27FC236}">
+                  <a16:creationId xmlns:a16="http://schemas.microsoft.com/office/drawing/2014/main" id="{4187FF47-12C0-407C-8E0B-B07BF933CC10}"/>
+                </a:ext>
+              </a:extLst>
+            </p:cNvPr>
+            <p:cNvCxnSpPr>
+              <a:cxnSpLocks/>
+            </p:cNvCxnSpPr>
+            <p:nvPr/>
+          </p:nvCxnSpPr>
+          <p:spPr>
+            <a:xfrm flipH="1">
+              <a:off x="8251372" y="3160155"/>
+              <a:ext cx="2111829" cy="0"/>
+            </a:xfrm>
+            <a:prstGeom prst="line">
+              <a:avLst/>
+            </a:prstGeom>
+            <a:ln w="19050">
+              <a:solidFill>
+                <a:srgbClr val="FF0000"/>
+              </a:solidFill>
+            </a:ln>
+          </p:spPr>
+          <p:style>
+            <a:lnRef idx="1">
+              <a:schemeClr val="accent1"/>
+            </a:lnRef>
+            <a:fillRef idx="0">
+              <a:schemeClr val="accent1"/>
+            </a:fillRef>
+            <a:effectRef idx="0">
+              <a:schemeClr val="accent1"/>
+            </a:effectRef>
+            <a:fontRef idx="minor">
+              <a:schemeClr val="tx1"/>
+            </a:fontRef>
+          </p:style>
+        </p:cxnSp>
+        <p:cxnSp>
+          <p:nvCxnSpPr>
+            <p:cNvPr id="24" name="Conector recto 23">
+              <a:extLst>
+                <a:ext uri="{FF2B5EF4-FFF2-40B4-BE49-F238E27FC236}">
+                  <a16:creationId xmlns:a16="http://schemas.microsoft.com/office/drawing/2014/main" id="{7E58764D-3DFB-41FC-B1BF-B36E6A4E2A47}"/>
+                </a:ext>
+              </a:extLst>
+            </p:cNvPr>
+            <p:cNvCxnSpPr>
+              <a:cxnSpLocks/>
+            </p:cNvCxnSpPr>
+            <p:nvPr/>
+          </p:nvCxnSpPr>
+          <p:spPr>
+            <a:xfrm>
+              <a:off x="10993975" y="1264678"/>
+              <a:ext cx="0" cy="4665859"/>
+            </a:xfrm>
+            <a:prstGeom prst="line">
+              <a:avLst/>
+            </a:prstGeom>
+            <a:ln w="19050">
+              <a:solidFill>
+                <a:srgbClr val="00B050"/>
+              </a:solidFill>
+            </a:ln>
+          </p:spPr>
+          <p:style>
+            <a:lnRef idx="1">
+              <a:schemeClr val="accent1"/>
+            </a:lnRef>
+            <a:fillRef idx="0">
+              <a:schemeClr val="accent1"/>
+            </a:fillRef>
+            <a:effectRef idx="0">
+              <a:schemeClr val="accent1"/>
+            </a:effectRef>
+            <a:fontRef idx="minor">
+              <a:schemeClr val="tx1"/>
+            </a:fontRef>
+          </p:style>
+        </p:cxnSp>
+        <p:cxnSp>
+          <p:nvCxnSpPr>
+            <p:cNvPr id="25" name="Conector recto 24">
+              <a:extLst>
+                <a:ext uri="{FF2B5EF4-FFF2-40B4-BE49-F238E27FC236}">
+                  <a16:creationId xmlns:a16="http://schemas.microsoft.com/office/drawing/2014/main" id="{8C039C52-EBE5-44FA-9096-132DF587B671}"/>
+                </a:ext>
+              </a:extLst>
+            </p:cNvPr>
+            <p:cNvCxnSpPr>
+              <a:cxnSpLocks/>
+            </p:cNvCxnSpPr>
+            <p:nvPr/>
+          </p:nvCxnSpPr>
+          <p:spPr>
+            <a:xfrm flipH="1">
+              <a:off x="7010400" y="1889759"/>
+              <a:ext cx="3983575" cy="0"/>
+            </a:xfrm>
+            <a:prstGeom prst="line">
+              <a:avLst/>
+            </a:prstGeom>
+            <a:ln w="19050">
+              <a:solidFill>
+                <a:srgbClr val="00B050"/>
+              </a:solidFill>
+            </a:ln>
+          </p:spPr>
+          <p:style>
+            <a:lnRef idx="1">
+              <a:schemeClr val="accent1"/>
+            </a:lnRef>
+            <a:fillRef idx="0">
+              <a:schemeClr val="accent1"/>
+            </a:fillRef>
+            <a:effectRef idx="0">
+              <a:schemeClr val="accent1"/>
+            </a:effectRef>
+            <a:fontRef idx="minor">
+              <a:schemeClr val="tx1"/>
+            </a:fontRef>
+          </p:style>
+        </p:cxnSp>
+        <p:cxnSp>
+          <p:nvCxnSpPr>
+            <p:cNvPr id="26" name="Conector recto 25">
+              <a:extLst>
+                <a:ext uri="{FF2B5EF4-FFF2-40B4-BE49-F238E27FC236}">
+                  <a16:creationId xmlns:a16="http://schemas.microsoft.com/office/drawing/2014/main" id="{AF3E98DB-F51B-4FB2-BA88-7AC898F17326}"/>
+                </a:ext>
+              </a:extLst>
+            </p:cNvPr>
+            <p:cNvCxnSpPr>
+              <a:cxnSpLocks/>
+            </p:cNvCxnSpPr>
+            <p:nvPr/>
+          </p:nvCxnSpPr>
+          <p:spPr>
+            <a:xfrm flipH="1" flipV="1">
+              <a:off x="8051064" y="2943496"/>
+              <a:ext cx="2942911" cy="17418"/>
+            </a:xfrm>
+            <a:prstGeom prst="line">
+              <a:avLst/>
+            </a:prstGeom>
+            <a:ln w="19050">
+              <a:solidFill>
+                <a:srgbClr val="00B050"/>
+              </a:solidFill>
+            </a:ln>
+          </p:spPr>
+          <p:style>
+            <a:lnRef idx="1">
+              <a:schemeClr val="accent1"/>
+            </a:lnRef>
+            <a:fillRef idx="0">
+              <a:schemeClr val="accent1"/>
+            </a:fillRef>
+            <a:effectRef idx="0">
+              <a:schemeClr val="accent1"/>
+            </a:effectRef>
+            <a:fontRef idx="minor">
+              <a:schemeClr val="tx1"/>
+            </a:fontRef>
+          </p:style>
+        </p:cxnSp>
+        <p:cxnSp>
+          <p:nvCxnSpPr>
+            <p:cNvPr id="27" name="Conector recto 26">
+              <a:extLst>
+                <a:ext uri="{FF2B5EF4-FFF2-40B4-BE49-F238E27FC236}">
+                  <a16:creationId xmlns:a16="http://schemas.microsoft.com/office/drawing/2014/main" id="{D2FCD58D-07A1-422C-8124-F24ACD9CF2C1}"/>
+                </a:ext>
+              </a:extLst>
+            </p:cNvPr>
+            <p:cNvCxnSpPr>
+              <a:cxnSpLocks/>
+            </p:cNvCxnSpPr>
+            <p:nvPr/>
+          </p:nvCxnSpPr>
+          <p:spPr>
+            <a:xfrm flipH="1">
+              <a:off x="9831674" y="4732580"/>
+              <a:ext cx="1162301" cy="0"/>
+            </a:xfrm>
+            <a:prstGeom prst="line">
+              <a:avLst/>
+            </a:prstGeom>
+            <a:ln w="19050">
+              <a:solidFill>
+                <a:srgbClr val="00B050"/>
+              </a:solidFill>
+            </a:ln>
+          </p:spPr>
+          <p:style>
+            <a:lnRef idx="1">
+              <a:schemeClr val="accent1"/>
+            </a:lnRef>
+            <a:fillRef idx="0">
+              <a:schemeClr val="accent1"/>
+            </a:fillRef>
+            <a:effectRef idx="0">
+              <a:schemeClr val="accent1"/>
+            </a:effectRef>
+            <a:fontRef idx="minor">
+              <a:schemeClr val="tx1"/>
+            </a:fontRef>
+          </p:style>
+        </p:cxnSp>
+        <p:cxnSp>
+          <p:nvCxnSpPr>
+            <p:cNvPr id="28" name="Conector recto 27">
+              <a:extLst>
+                <a:ext uri="{FF2B5EF4-FFF2-40B4-BE49-F238E27FC236}">
+                  <a16:creationId xmlns:a16="http://schemas.microsoft.com/office/drawing/2014/main" id="{D7410F16-1723-4828-922F-C2020495D265}"/>
+                </a:ext>
+              </a:extLst>
+            </p:cNvPr>
+            <p:cNvCxnSpPr>
+              <a:cxnSpLocks/>
+            </p:cNvCxnSpPr>
+            <p:nvPr/>
+          </p:nvCxnSpPr>
+          <p:spPr>
+            <a:xfrm flipH="1">
+              <a:off x="7089072" y="1993735"/>
+              <a:ext cx="3904903" cy="0"/>
+            </a:xfrm>
+            <a:prstGeom prst="line">
+              <a:avLst/>
+            </a:prstGeom>
+            <a:ln w="19050">
+              <a:solidFill>
+                <a:srgbClr val="00B050"/>
+              </a:solidFill>
+            </a:ln>
+          </p:spPr>
+          <p:style>
+            <a:lnRef idx="1">
+              <a:schemeClr val="accent1"/>
+            </a:lnRef>
+            <a:fillRef idx="0">
+              <a:schemeClr val="accent1"/>
+            </a:fillRef>
+            <a:effectRef idx="0">
+              <a:schemeClr val="accent1"/>
+            </a:effectRef>
+            <a:fontRef idx="minor">
+              <a:schemeClr val="tx1"/>
+            </a:fontRef>
+          </p:style>
+        </p:cxnSp>
+        <p:cxnSp>
+          <p:nvCxnSpPr>
+            <p:cNvPr id="29" name="Conector recto 28">
+              <a:extLst>
+                <a:ext uri="{FF2B5EF4-FFF2-40B4-BE49-F238E27FC236}">
+                  <a16:creationId xmlns:a16="http://schemas.microsoft.com/office/drawing/2014/main" id="{F4C48B36-A22A-4B6C-9587-22405FD30A08}"/>
+                </a:ext>
+              </a:extLst>
+            </p:cNvPr>
+            <p:cNvCxnSpPr>
+              <a:cxnSpLocks/>
+            </p:cNvCxnSpPr>
+            <p:nvPr/>
+          </p:nvCxnSpPr>
+          <p:spPr>
+            <a:xfrm>
+              <a:off x="9631083" y="1294650"/>
+              <a:ext cx="0" cy="3233807"/>
+            </a:xfrm>
+            <a:prstGeom prst="line">
+              <a:avLst/>
+            </a:prstGeom>
+            <a:ln w="19050">
+              <a:solidFill>
+                <a:srgbClr val="7030A0"/>
+              </a:solidFill>
+            </a:ln>
+          </p:spPr>
+          <p:style>
+            <a:lnRef idx="1">
+              <a:schemeClr val="accent1"/>
+            </a:lnRef>
+            <a:fillRef idx="0">
+              <a:schemeClr val="accent1"/>
+            </a:fillRef>
+            <a:effectRef idx="0">
+              <a:schemeClr val="accent1"/>
+            </a:effectRef>
+            <a:fontRef idx="minor">
+              <a:schemeClr val="tx1"/>
+            </a:fontRef>
+          </p:style>
+        </p:cxnSp>
+        <p:cxnSp>
+          <p:nvCxnSpPr>
+            <p:cNvPr id="30" name="Conector recto 29">
+              <a:extLst>
+                <a:ext uri="{FF2B5EF4-FFF2-40B4-BE49-F238E27FC236}">
+                  <a16:creationId xmlns:a16="http://schemas.microsoft.com/office/drawing/2014/main" id="{71BD1C4B-5050-42FF-9CC2-02D3422AAD3D}"/>
+                </a:ext>
+              </a:extLst>
+            </p:cNvPr>
+            <p:cNvCxnSpPr>
+              <a:cxnSpLocks/>
+            </p:cNvCxnSpPr>
+            <p:nvPr/>
+          </p:nvCxnSpPr>
+          <p:spPr>
+            <a:xfrm>
+              <a:off x="7231871" y="2098013"/>
+              <a:ext cx="2399212" cy="0"/>
+            </a:xfrm>
+            <a:prstGeom prst="line">
+              <a:avLst/>
+            </a:prstGeom>
+            <a:ln w="19050">
+              <a:solidFill>
+                <a:srgbClr val="7030A0"/>
+              </a:solidFill>
+            </a:ln>
+          </p:spPr>
+          <p:style>
+            <a:lnRef idx="1">
+              <a:schemeClr val="accent1"/>
+            </a:lnRef>
+            <a:fillRef idx="0">
+              <a:schemeClr val="accent1"/>
+            </a:fillRef>
+            <a:effectRef idx="0">
+              <a:schemeClr val="accent1"/>
+            </a:effectRef>
+            <a:fontRef idx="minor">
+              <a:schemeClr val="tx1"/>
+            </a:fontRef>
+          </p:style>
+        </p:cxnSp>
+      </p:grpSp>
     </p:spTree>
     <p:extLst>
       <p:ext uri="{BB962C8B-B14F-4D97-AF65-F5344CB8AC3E}">
-        <p14:creationId xmlns:p14="http://schemas.microsoft.com/office/powerpoint/2010/main" val="207540131"/>
+        <p14:creationId xmlns:p14="http://schemas.microsoft.com/office/powerpoint/2010/main" val="1807772078"/>
       </p:ext>
     </p:extLst>
   </p:cSld>
